--- a/Figures/Structure.pptx
+++ b/Figures/Structure.pptx
@@ -6,6 +6,8 @@
   </p:sldMasterIdLst>
   <p:sldIdLst>
     <p:sldId id="256" r:id="rId2"/>
+    <p:sldId id="257" r:id="rId3"/>
+    <p:sldId id="258" r:id="rId4"/>
   </p:sldIdLst>
   <p:sldSz cx="12192000" cy="6858000"/>
   <p:notesSz cx="6858000" cy="9144000"/>
@@ -329,7 +331,7 @@
           <a:p>
             <a:fld id="{EFFCBDAD-9962-41C1-AA5B-39C71D40D4AA}" type="datetimeFigureOut">
               <a:rPr lang="ko-KR" altLang="en-US" smtClean="0"/>
-              <a:t>2020-05-24</a:t>
+              <a:t>2020-06-04</a:t>
             </a:fld>
             <a:endParaRPr lang="ko-KR" altLang="en-US"/>
           </a:p>
@@ -664,7 +666,7 @@
           <a:p>
             <a:fld id="{EFFCBDAD-9962-41C1-AA5B-39C71D40D4AA}" type="datetimeFigureOut">
               <a:rPr lang="ko-KR" altLang="en-US" smtClean="0"/>
-              <a:t>2020-05-24</a:t>
+              <a:t>2020-06-04</a:t>
             </a:fld>
             <a:endParaRPr lang="ko-KR" altLang="en-US"/>
           </a:p>
@@ -967,7 +969,7 @@
           <a:p>
             <a:fld id="{EFFCBDAD-9962-41C1-AA5B-39C71D40D4AA}" type="datetimeFigureOut">
               <a:rPr lang="ko-KR" altLang="en-US" smtClean="0"/>
-              <a:t>2020-05-24</a:t>
+              <a:t>2020-06-04</a:t>
             </a:fld>
             <a:endParaRPr lang="ko-KR" altLang="en-US"/>
           </a:p>
@@ -1215,7 +1217,7 @@
           <a:p>
             <a:fld id="{EFFCBDAD-9962-41C1-AA5B-39C71D40D4AA}" type="datetimeFigureOut">
               <a:rPr lang="ko-KR" altLang="en-US" smtClean="0"/>
-              <a:t>2020-05-24</a:t>
+              <a:t>2020-06-04</a:t>
             </a:fld>
             <a:endParaRPr lang="ko-KR" altLang="en-US"/>
           </a:p>
@@ -1623,7 +1625,7 @@
           <a:p>
             <a:fld id="{EFFCBDAD-9962-41C1-AA5B-39C71D40D4AA}" type="datetimeFigureOut">
               <a:rPr lang="ko-KR" altLang="en-US" smtClean="0"/>
-              <a:t>2020-05-24</a:t>
+              <a:t>2020-06-04</a:t>
             </a:fld>
             <a:endParaRPr lang="ko-KR" altLang="en-US"/>
           </a:p>
@@ -1938,7 +1940,7 @@
           <a:p>
             <a:fld id="{EFFCBDAD-9962-41C1-AA5B-39C71D40D4AA}" type="datetimeFigureOut">
               <a:rPr lang="ko-KR" altLang="en-US" smtClean="0"/>
-              <a:t>2020-05-24</a:t>
+              <a:t>2020-06-04</a:t>
             </a:fld>
             <a:endParaRPr lang="ko-KR" altLang="en-US"/>
           </a:p>
@@ -2483,7 +2485,7 @@
           <a:p>
             <a:fld id="{EFFCBDAD-9962-41C1-AA5B-39C71D40D4AA}" type="datetimeFigureOut">
               <a:rPr lang="ko-KR" altLang="en-US" smtClean="0"/>
-              <a:t>2020-05-24</a:t>
+              <a:t>2020-06-04</a:t>
             </a:fld>
             <a:endParaRPr lang="ko-KR" altLang="en-US"/>
           </a:p>
@@ -2679,7 +2681,7 @@
           <a:p>
             <a:fld id="{EFFCBDAD-9962-41C1-AA5B-39C71D40D4AA}" type="datetimeFigureOut">
               <a:rPr lang="ko-KR" altLang="en-US" smtClean="0"/>
-              <a:t>2020-05-24</a:t>
+              <a:t>2020-06-04</a:t>
             </a:fld>
             <a:endParaRPr lang="ko-KR" altLang="en-US"/>
           </a:p>
@@ -2893,7 +2895,7 @@
           <a:p>
             <a:fld id="{EFFCBDAD-9962-41C1-AA5B-39C71D40D4AA}" type="datetimeFigureOut">
               <a:rPr lang="ko-KR" altLang="en-US" smtClean="0"/>
-              <a:t>2020-05-24</a:t>
+              <a:t>2020-06-04</a:t>
             </a:fld>
             <a:endParaRPr lang="ko-KR" altLang="en-US"/>
           </a:p>
@@ -3263,7 +3265,7 @@
           <a:p>
             <a:fld id="{EFFCBDAD-9962-41C1-AA5B-39C71D40D4AA}" type="datetimeFigureOut">
               <a:rPr lang="ko-KR" altLang="en-US" smtClean="0"/>
-              <a:t>2020-05-24</a:t>
+              <a:t>2020-06-04</a:t>
             </a:fld>
             <a:endParaRPr lang="ko-KR" altLang="en-US"/>
           </a:p>
@@ -3667,7 +3669,7 @@
           <a:p>
             <a:fld id="{EFFCBDAD-9962-41C1-AA5B-39C71D40D4AA}" type="datetimeFigureOut">
               <a:rPr lang="ko-KR" altLang="en-US" smtClean="0"/>
-              <a:t>2020-05-24</a:t>
+              <a:t>2020-06-04</a:t>
             </a:fld>
             <a:endParaRPr lang="ko-KR" altLang="en-US"/>
           </a:p>
@@ -3979,7 +3981,7 @@
           <a:p>
             <a:fld id="{EFFCBDAD-9962-41C1-AA5B-39C71D40D4AA}" type="datetimeFigureOut">
               <a:rPr lang="ko-KR" altLang="en-US" smtClean="0"/>
-              <a:t>2020-05-24</a:t>
+              <a:t>2020-06-04</a:t>
             </a:fld>
             <a:endParaRPr lang="ko-KR" altLang="en-US"/>
           </a:p>
@@ -5872,6 +5874,3122 @@
 </p:sld>
 </file>
 
+<file path=ppt/slides/slide2.xml><?xml version="1.0" encoding="utf-8"?>
+<p:sld xmlns:a="http://schemas.openxmlformats.org/drawingml/2006/main" xmlns:r="http://schemas.openxmlformats.org/officeDocument/2006/relationships" xmlns:p="http://schemas.openxmlformats.org/presentationml/2006/main">
+  <p:cSld>
+    <p:spTree>
+      <p:nvGrpSpPr>
+        <p:cNvPr id="1" name=""/>
+        <p:cNvGrpSpPr/>
+        <p:nvPr/>
+      </p:nvGrpSpPr>
+      <p:grpSpPr>
+        <a:xfrm>
+          <a:off x="0" y="0"/>
+          <a:ext cx="0" cy="0"/>
+          <a:chOff x="0" y="0"/>
+          <a:chExt cx="0" cy="0"/>
+        </a:xfrm>
+      </p:grpSpPr>
+      <p:sp>
+        <p:nvSpPr>
+          <p:cNvPr id="9" name="사각형: 둥근 모서리 8">
+            <a:extLst>
+              <a:ext uri="{FF2B5EF4-FFF2-40B4-BE49-F238E27FC236}">
+                <a16:creationId xmlns:a16="http://schemas.microsoft.com/office/drawing/2014/main" id="{05E5C323-23E9-487E-9327-995BB77BBEAE}"/>
+              </a:ext>
+            </a:extLst>
+          </p:cNvPr>
+          <p:cNvSpPr/>
+          <p:nvPr/>
+        </p:nvSpPr>
+        <p:spPr>
+          <a:xfrm>
+            <a:off x="871274" y="3045880"/>
+            <a:ext cx="1992388" cy="830511"/>
+          </a:xfrm>
+          <a:prstGeom prst="roundRect">
+            <a:avLst/>
+          </a:prstGeom>
+          <a:pattFill prst="dkUpDiag">
+            <a:fgClr>
+              <a:schemeClr val="accent1">
+                <a:lumMod val="75000"/>
+              </a:schemeClr>
+            </a:fgClr>
+            <a:bgClr>
+              <a:schemeClr val="accent4">
+                <a:lumMod val="50000"/>
+              </a:schemeClr>
+            </a:bgClr>
+          </a:pattFill>
+          <a:ln>
+            <a:noFill/>
+          </a:ln>
+        </p:spPr>
+        <p:style>
+          <a:lnRef idx="2">
+            <a:schemeClr val="accent1">
+              <a:shade val="50000"/>
+            </a:schemeClr>
+          </a:lnRef>
+          <a:fillRef idx="1">
+            <a:schemeClr val="accent1"/>
+          </a:fillRef>
+          <a:effectRef idx="0">
+            <a:schemeClr val="accent1"/>
+          </a:effectRef>
+          <a:fontRef idx="minor">
+            <a:schemeClr val="lt1"/>
+          </a:fontRef>
+        </p:style>
+        <p:txBody>
+          <a:bodyPr rtlCol="0" anchor="ctr"/>
+          <a:lstStyle/>
+          <a:p>
+            <a:pPr algn="ctr"/>
+            <a:r>
+              <a:rPr lang="en-US" altLang="ko-KR" dirty="0"/>
+              <a:t>Pre encoder</a:t>
+            </a:r>
+            <a:endParaRPr lang="ko-KR" altLang="en-US" dirty="0"/>
+          </a:p>
+        </p:txBody>
+      </p:sp>
+      <p:sp>
+        <p:nvSpPr>
+          <p:cNvPr id="11" name="사각형: 둥근 모서리 10">
+            <a:extLst>
+              <a:ext uri="{FF2B5EF4-FFF2-40B4-BE49-F238E27FC236}">
+                <a16:creationId xmlns:a16="http://schemas.microsoft.com/office/drawing/2014/main" id="{47F829A0-8648-458D-84CD-096651CB6BC0}"/>
+              </a:ext>
+            </a:extLst>
+          </p:cNvPr>
+          <p:cNvSpPr/>
+          <p:nvPr/>
+        </p:nvSpPr>
+        <p:spPr>
+          <a:xfrm>
+            <a:off x="3502800" y="1917313"/>
+            <a:ext cx="1992388" cy="830511"/>
+          </a:xfrm>
+          <a:prstGeom prst="roundRect">
+            <a:avLst/>
+          </a:prstGeom>
+          <a:pattFill prst="dkUpDiag">
+            <a:fgClr>
+              <a:schemeClr val="accent1">
+                <a:lumMod val="75000"/>
+              </a:schemeClr>
+            </a:fgClr>
+            <a:bgClr>
+              <a:schemeClr val="accent4">
+                <a:lumMod val="50000"/>
+              </a:schemeClr>
+            </a:bgClr>
+          </a:pattFill>
+          <a:ln>
+            <a:noFill/>
+          </a:ln>
+        </p:spPr>
+        <p:style>
+          <a:lnRef idx="2">
+            <a:schemeClr val="accent1">
+              <a:shade val="50000"/>
+            </a:schemeClr>
+          </a:lnRef>
+          <a:fillRef idx="1">
+            <a:schemeClr val="accent1"/>
+          </a:fillRef>
+          <a:effectRef idx="0">
+            <a:schemeClr val="accent1"/>
+          </a:effectRef>
+          <a:fontRef idx="minor">
+            <a:schemeClr val="lt1"/>
+          </a:fontRef>
+        </p:style>
+        <p:txBody>
+          <a:bodyPr rtlCol="0" anchor="ctr"/>
+          <a:lstStyle/>
+          <a:p>
+            <a:pPr algn="ctr"/>
+            <a:r>
+              <a:rPr lang="en-US" altLang="ko-KR" dirty="0"/>
+              <a:t>Gaussian noise</a:t>
+            </a:r>
+            <a:endParaRPr lang="ko-KR" altLang="en-US" dirty="0"/>
+          </a:p>
+        </p:txBody>
+      </p:sp>
+      <p:sp>
+        <p:nvSpPr>
+          <p:cNvPr id="12" name="사각형: 둥근 모서리 11">
+            <a:extLst>
+              <a:ext uri="{FF2B5EF4-FFF2-40B4-BE49-F238E27FC236}">
+                <a16:creationId xmlns:a16="http://schemas.microsoft.com/office/drawing/2014/main" id="{4E47EC4A-786A-4E4F-A2CA-707CF3043F63}"/>
+              </a:ext>
+            </a:extLst>
+          </p:cNvPr>
+          <p:cNvSpPr/>
+          <p:nvPr/>
+        </p:nvSpPr>
+        <p:spPr>
+          <a:xfrm>
+            <a:off x="6209300" y="3042094"/>
+            <a:ext cx="1992388" cy="830511"/>
+          </a:xfrm>
+          <a:prstGeom prst="roundRect">
+            <a:avLst/>
+          </a:prstGeom>
+          <a:pattFill prst="dkUpDiag">
+            <a:fgClr>
+              <a:schemeClr val="accent1">
+                <a:lumMod val="75000"/>
+              </a:schemeClr>
+            </a:fgClr>
+            <a:bgClr>
+              <a:schemeClr val="accent4">
+                <a:lumMod val="50000"/>
+              </a:schemeClr>
+            </a:bgClr>
+          </a:pattFill>
+          <a:ln w="38100">
+            <a:noFill/>
+          </a:ln>
+        </p:spPr>
+        <p:style>
+          <a:lnRef idx="2">
+            <a:schemeClr val="accent1">
+              <a:shade val="50000"/>
+            </a:schemeClr>
+          </a:lnRef>
+          <a:fillRef idx="1">
+            <a:schemeClr val="accent1"/>
+          </a:fillRef>
+          <a:effectRef idx="0">
+            <a:schemeClr val="accent1"/>
+          </a:effectRef>
+          <a:fontRef idx="minor">
+            <a:schemeClr val="lt1"/>
+          </a:fontRef>
+        </p:style>
+        <p:txBody>
+          <a:bodyPr rtlCol="0" anchor="ctr"/>
+          <a:lstStyle/>
+          <a:p>
+            <a:pPr algn="ctr"/>
+            <a:r>
+              <a:rPr lang="en-US" altLang="ko-KR" dirty="0"/>
+              <a:t>Generator</a:t>
+            </a:r>
+          </a:p>
+          <a:p>
+            <a:pPr algn="ctr"/>
+            <a:r>
+              <a:rPr lang="en-US" altLang="ko-KR" dirty="0"/>
+              <a:t>(</a:t>
+            </a:r>
+            <a:r>
+              <a:rPr lang="en-US" altLang="ko-KR" dirty="0" err="1"/>
+              <a:t>WaveNet</a:t>
+            </a:r>
+            <a:r>
+              <a:rPr lang="en-US" altLang="ko-KR" dirty="0"/>
+              <a:t>)</a:t>
+            </a:r>
+            <a:endParaRPr lang="ko-KR" altLang="en-US" dirty="0"/>
+          </a:p>
+        </p:txBody>
+      </p:sp>
+      <p:sp>
+        <p:nvSpPr>
+          <p:cNvPr id="14" name="사각형: 둥근 모서리 13">
+            <a:extLst>
+              <a:ext uri="{FF2B5EF4-FFF2-40B4-BE49-F238E27FC236}">
+                <a16:creationId xmlns:a16="http://schemas.microsoft.com/office/drawing/2014/main" id="{520E1970-71B4-490D-81E7-7D09C7474472}"/>
+              </a:ext>
+            </a:extLst>
+          </p:cNvPr>
+          <p:cNvSpPr/>
+          <p:nvPr/>
+        </p:nvSpPr>
+        <p:spPr>
+          <a:xfrm>
+            <a:off x="11622300" y="3042094"/>
+            <a:ext cx="1992388" cy="830511"/>
+          </a:xfrm>
+          <a:prstGeom prst="roundRect">
+            <a:avLst/>
+          </a:prstGeom>
+          <a:pattFill prst="dkUpDiag">
+            <a:fgClr>
+              <a:schemeClr val="accent1">
+                <a:lumMod val="75000"/>
+              </a:schemeClr>
+            </a:fgClr>
+            <a:bgClr>
+              <a:schemeClr val="accent4">
+                <a:lumMod val="50000"/>
+              </a:schemeClr>
+            </a:bgClr>
+          </a:pattFill>
+          <a:ln>
+            <a:noFill/>
+          </a:ln>
+        </p:spPr>
+        <p:style>
+          <a:lnRef idx="2">
+            <a:schemeClr val="accent1">
+              <a:shade val="50000"/>
+            </a:schemeClr>
+          </a:lnRef>
+          <a:fillRef idx="1">
+            <a:schemeClr val="accent1"/>
+          </a:fillRef>
+          <a:effectRef idx="0">
+            <a:schemeClr val="accent1"/>
+          </a:effectRef>
+          <a:fontRef idx="minor">
+            <a:schemeClr val="lt1"/>
+          </a:fontRef>
+        </p:style>
+        <p:txBody>
+          <a:bodyPr rtlCol="0" anchor="ctr"/>
+          <a:lstStyle/>
+          <a:p>
+            <a:pPr algn="ctr"/>
+            <a:r>
+              <a:rPr lang="en-US" altLang="ko-KR" dirty="0"/>
+              <a:t>Multi resolution</a:t>
+            </a:r>
+            <a:br>
+              <a:rPr lang="en-US" altLang="ko-KR" dirty="0"/>
+            </a:br>
+            <a:r>
+              <a:rPr lang="en-US" altLang="ko-KR" dirty="0"/>
+              <a:t>STFT loss</a:t>
+            </a:r>
+            <a:endParaRPr lang="ko-KR" altLang="en-US" dirty="0"/>
+          </a:p>
+        </p:txBody>
+      </p:sp>
+      <p:sp>
+        <p:nvSpPr>
+          <p:cNvPr id="16" name="사각형: 둥근 모서리 15">
+            <a:extLst>
+              <a:ext uri="{FF2B5EF4-FFF2-40B4-BE49-F238E27FC236}">
+                <a16:creationId xmlns:a16="http://schemas.microsoft.com/office/drawing/2014/main" id="{DC6D20D6-BDA9-4A05-B850-07DEE46336DC}"/>
+              </a:ext>
+            </a:extLst>
+          </p:cNvPr>
+          <p:cNvSpPr/>
+          <p:nvPr/>
+        </p:nvSpPr>
+        <p:spPr>
+          <a:xfrm>
+            <a:off x="11622300" y="1796327"/>
+            <a:ext cx="1992388" cy="830511"/>
+          </a:xfrm>
+          <a:prstGeom prst="roundRect">
+            <a:avLst/>
+          </a:prstGeom>
+          <a:pattFill prst="dkUpDiag">
+            <a:fgClr>
+              <a:schemeClr val="accent1">
+                <a:lumMod val="75000"/>
+              </a:schemeClr>
+            </a:fgClr>
+            <a:bgClr>
+              <a:schemeClr val="accent4">
+                <a:lumMod val="50000"/>
+              </a:schemeClr>
+            </a:bgClr>
+          </a:pattFill>
+          <a:ln>
+            <a:noFill/>
+          </a:ln>
+        </p:spPr>
+        <p:style>
+          <a:lnRef idx="2">
+            <a:schemeClr val="accent1">
+              <a:shade val="50000"/>
+            </a:schemeClr>
+          </a:lnRef>
+          <a:fillRef idx="1">
+            <a:schemeClr val="accent1"/>
+          </a:fillRef>
+          <a:effectRef idx="0">
+            <a:schemeClr val="accent1"/>
+          </a:effectRef>
+          <a:fontRef idx="minor">
+            <a:schemeClr val="lt1"/>
+          </a:fontRef>
+        </p:style>
+        <p:txBody>
+          <a:bodyPr rtlCol="0" anchor="ctr"/>
+          <a:lstStyle/>
+          <a:p>
+            <a:pPr algn="ctr"/>
+            <a:r>
+              <a:rPr lang="en-US" altLang="ko-KR" dirty="0"/>
+              <a:t>Discriminator</a:t>
+            </a:r>
+            <a:endParaRPr lang="ko-KR" altLang="en-US" dirty="0"/>
+          </a:p>
+        </p:txBody>
+      </p:sp>
+      <p:sp>
+        <p:nvSpPr>
+          <p:cNvPr id="17" name="사각형: 둥근 모서리 16">
+            <a:extLst>
+              <a:ext uri="{FF2B5EF4-FFF2-40B4-BE49-F238E27FC236}">
+                <a16:creationId xmlns:a16="http://schemas.microsoft.com/office/drawing/2014/main" id="{8CE71EBF-1477-4A24-8770-1E9C21CBFFE6}"/>
+              </a:ext>
+            </a:extLst>
+          </p:cNvPr>
+          <p:cNvSpPr/>
+          <p:nvPr/>
+        </p:nvSpPr>
+        <p:spPr>
+          <a:xfrm>
+            <a:off x="8915800" y="1796327"/>
+            <a:ext cx="1992388" cy="830511"/>
+          </a:xfrm>
+          <a:prstGeom prst="roundRect">
+            <a:avLst/>
+          </a:prstGeom>
+          <a:pattFill prst="dkUpDiag">
+            <a:fgClr>
+              <a:schemeClr val="accent1">
+                <a:lumMod val="75000"/>
+              </a:schemeClr>
+            </a:fgClr>
+            <a:bgClr>
+              <a:schemeClr val="accent4">
+                <a:lumMod val="50000"/>
+              </a:schemeClr>
+            </a:bgClr>
+          </a:pattFill>
+          <a:ln w="38100">
+            <a:noFill/>
+          </a:ln>
+        </p:spPr>
+        <p:style>
+          <a:lnRef idx="2">
+            <a:schemeClr val="accent1">
+              <a:shade val="50000"/>
+            </a:schemeClr>
+          </a:lnRef>
+          <a:fillRef idx="1">
+            <a:schemeClr val="accent1"/>
+          </a:fillRef>
+          <a:effectRef idx="0">
+            <a:schemeClr val="accent1"/>
+          </a:effectRef>
+          <a:fontRef idx="minor">
+            <a:schemeClr val="lt1"/>
+          </a:fontRef>
+        </p:style>
+        <p:txBody>
+          <a:bodyPr rtlCol="0" anchor="ctr"/>
+          <a:lstStyle/>
+          <a:p>
+            <a:pPr algn="ctr"/>
+            <a:r>
+              <a:rPr lang="en-US" altLang="ko-KR" dirty="0"/>
+              <a:t>Real signal</a:t>
+            </a:r>
+            <a:endParaRPr lang="ko-KR" altLang="en-US" dirty="0"/>
+          </a:p>
+        </p:txBody>
+      </p:sp>
+      <p:sp>
+        <p:nvSpPr>
+          <p:cNvPr id="18" name="사각형: 둥근 모서리 17">
+            <a:extLst>
+              <a:ext uri="{FF2B5EF4-FFF2-40B4-BE49-F238E27FC236}">
+                <a16:creationId xmlns:a16="http://schemas.microsoft.com/office/drawing/2014/main" id="{DD0C7471-F3FB-44E2-85B4-39CC7E0C8154}"/>
+              </a:ext>
+            </a:extLst>
+          </p:cNvPr>
+          <p:cNvSpPr/>
+          <p:nvPr/>
+        </p:nvSpPr>
+        <p:spPr>
+          <a:xfrm>
+            <a:off x="8915800" y="3042094"/>
+            <a:ext cx="1992388" cy="830511"/>
+          </a:xfrm>
+          <a:prstGeom prst="roundRect">
+            <a:avLst/>
+          </a:prstGeom>
+          <a:pattFill prst="dkUpDiag">
+            <a:fgClr>
+              <a:schemeClr val="accent1">
+                <a:lumMod val="75000"/>
+              </a:schemeClr>
+            </a:fgClr>
+            <a:bgClr>
+              <a:schemeClr val="accent4">
+                <a:lumMod val="50000"/>
+              </a:schemeClr>
+            </a:bgClr>
+          </a:pattFill>
+          <a:ln w="38100">
+            <a:noFill/>
+          </a:ln>
+        </p:spPr>
+        <p:style>
+          <a:lnRef idx="2">
+            <a:schemeClr val="accent1">
+              <a:shade val="50000"/>
+            </a:schemeClr>
+          </a:lnRef>
+          <a:fillRef idx="1">
+            <a:schemeClr val="accent1"/>
+          </a:fillRef>
+          <a:effectRef idx="0">
+            <a:schemeClr val="accent1"/>
+          </a:effectRef>
+          <a:fontRef idx="minor">
+            <a:schemeClr val="lt1"/>
+          </a:fontRef>
+        </p:style>
+        <p:txBody>
+          <a:bodyPr rtlCol="0" anchor="ctr"/>
+          <a:lstStyle/>
+          <a:p>
+            <a:pPr algn="ctr"/>
+            <a:r>
+              <a:rPr lang="en-US" altLang="ko-KR" dirty="0"/>
+              <a:t>Fake signal</a:t>
+            </a:r>
+            <a:endParaRPr lang="ko-KR" altLang="en-US" dirty="0"/>
+          </a:p>
+        </p:txBody>
+      </p:sp>
+      <p:cxnSp>
+        <p:nvCxnSpPr>
+          <p:cNvPr id="23" name="직선 화살표 연결선 22">
+            <a:extLst>
+              <a:ext uri="{FF2B5EF4-FFF2-40B4-BE49-F238E27FC236}">
+                <a16:creationId xmlns:a16="http://schemas.microsoft.com/office/drawing/2014/main" id="{664108B0-A804-44FF-B241-DDB9D9D35538}"/>
+              </a:ext>
+            </a:extLst>
+          </p:cNvPr>
+          <p:cNvCxnSpPr>
+            <a:cxnSpLocks/>
+            <a:stCxn id="9" idx="3"/>
+            <a:endCxn id="40" idx="1"/>
+          </p:cNvCxnSpPr>
+          <p:nvPr/>
+        </p:nvCxnSpPr>
+        <p:spPr>
+          <a:xfrm>
+            <a:off x="2863662" y="3461136"/>
+            <a:ext cx="639138" cy="0"/>
+          </a:xfrm>
+          <a:prstGeom prst="straightConnector1">
+            <a:avLst/>
+          </a:prstGeom>
+          <a:ln w="38100">
+            <a:tailEnd type="triangle"/>
+          </a:ln>
+        </p:spPr>
+        <p:style>
+          <a:lnRef idx="1">
+            <a:schemeClr val="accent1"/>
+          </a:lnRef>
+          <a:fillRef idx="0">
+            <a:schemeClr val="accent1"/>
+          </a:fillRef>
+          <a:effectRef idx="0">
+            <a:schemeClr val="accent1"/>
+          </a:effectRef>
+          <a:fontRef idx="minor">
+            <a:schemeClr val="tx1"/>
+          </a:fontRef>
+        </p:style>
+      </p:cxnSp>
+      <p:cxnSp>
+        <p:nvCxnSpPr>
+          <p:cNvPr id="25" name="직선 화살표 연결선 24">
+            <a:extLst>
+              <a:ext uri="{FF2B5EF4-FFF2-40B4-BE49-F238E27FC236}">
+                <a16:creationId xmlns:a16="http://schemas.microsoft.com/office/drawing/2014/main" id="{7AC39C46-CCAA-4A3F-A9E6-F6D483BB2AE7}"/>
+              </a:ext>
+            </a:extLst>
+          </p:cNvPr>
+          <p:cNvCxnSpPr>
+            <a:cxnSpLocks/>
+            <a:stCxn id="12" idx="3"/>
+            <a:endCxn id="18" idx="1"/>
+          </p:cNvCxnSpPr>
+          <p:nvPr/>
+        </p:nvCxnSpPr>
+        <p:spPr>
+          <a:xfrm>
+            <a:off x="8201688" y="3457350"/>
+            <a:ext cx="714112" cy="0"/>
+          </a:xfrm>
+          <a:prstGeom prst="straightConnector1">
+            <a:avLst/>
+          </a:prstGeom>
+          <a:ln w="38100">
+            <a:tailEnd type="triangle"/>
+          </a:ln>
+        </p:spPr>
+        <p:style>
+          <a:lnRef idx="1">
+            <a:schemeClr val="accent1"/>
+          </a:lnRef>
+          <a:fillRef idx="0">
+            <a:schemeClr val="accent1"/>
+          </a:fillRef>
+          <a:effectRef idx="0">
+            <a:schemeClr val="accent1"/>
+          </a:effectRef>
+          <a:fontRef idx="minor">
+            <a:schemeClr val="tx1"/>
+          </a:fontRef>
+        </p:style>
+      </p:cxnSp>
+      <p:cxnSp>
+        <p:nvCxnSpPr>
+          <p:cNvPr id="28" name="직선 화살표 연결선 27">
+            <a:extLst>
+              <a:ext uri="{FF2B5EF4-FFF2-40B4-BE49-F238E27FC236}">
+                <a16:creationId xmlns:a16="http://schemas.microsoft.com/office/drawing/2014/main" id="{380C9B24-4833-419E-8152-5B555B0CFEFF}"/>
+              </a:ext>
+            </a:extLst>
+          </p:cNvPr>
+          <p:cNvCxnSpPr>
+            <a:cxnSpLocks/>
+            <a:stCxn id="18" idx="3"/>
+            <a:endCxn id="14" idx="1"/>
+          </p:cNvCxnSpPr>
+          <p:nvPr/>
+        </p:nvCxnSpPr>
+        <p:spPr>
+          <a:xfrm>
+            <a:off x="10908188" y="3457350"/>
+            <a:ext cx="714112" cy="0"/>
+          </a:xfrm>
+          <a:prstGeom prst="straightConnector1">
+            <a:avLst/>
+          </a:prstGeom>
+          <a:ln w="38100">
+            <a:tailEnd type="triangle"/>
+          </a:ln>
+        </p:spPr>
+        <p:style>
+          <a:lnRef idx="1">
+            <a:schemeClr val="accent1"/>
+          </a:lnRef>
+          <a:fillRef idx="0">
+            <a:schemeClr val="accent1"/>
+          </a:fillRef>
+          <a:effectRef idx="0">
+            <a:schemeClr val="accent1"/>
+          </a:effectRef>
+          <a:fontRef idx="minor">
+            <a:schemeClr val="tx1"/>
+          </a:fontRef>
+        </p:style>
+      </p:cxnSp>
+      <p:cxnSp>
+        <p:nvCxnSpPr>
+          <p:cNvPr id="32" name="연결선: 꺾임 31">
+            <a:extLst>
+              <a:ext uri="{FF2B5EF4-FFF2-40B4-BE49-F238E27FC236}">
+                <a16:creationId xmlns:a16="http://schemas.microsoft.com/office/drawing/2014/main" id="{FE277635-0F1B-44CA-96AB-13132A2AAFE3}"/>
+              </a:ext>
+            </a:extLst>
+          </p:cNvPr>
+          <p:cNvCxnSpPr>
+            <a:cxnSpLocks/>
+            <a:stCxn id="11" idx="3"/>
+            <a:endCxn id="12" idx="1"/>
+          </p:cNvCxnSpPr>
+          <p:nvPr/>
+        </p:nvCxnSpPr>
+        <p:spPr>
+          <a:xfrm>
+            <a:off x="5495188" y="2332569"/>
+            <a:ext cx="714112" cy="1124781"/>
+          </a:xfrm>
+          <a:prstGeom prst="bentConnector3">
+            <a:avLst>
+              <a:gd name="adj1" fmla="val 50000"/>
+            </a:avLst>
+          </a:prstGeom>
+          <a:ln w="38100">
+            <a:tailEnd type="triangle"/>
+          </a:ln>
+        </p:spPr>
+        <p:style>
+          <a:lnRef idx="1">
+            <a:schemeClr val="accent1"/>
+          </a:lnRef>
+          <a:fillRef idx="0">
+            <a:schemeClr val="accent1"/>
+          </a:fillRef>
+          <a:effectRef idx="0">
+            <a:schemeClr val="accent1"/>
+          </a:effectRef>
+          <a:fontRef idx="minor">
+            <a:schemeClr val="tx1"/>
+          </a:fontRef>
+        </p:style>
+      </p:cxnSp>
+      <p:cxnSp>
+        <p:nvCxnSpPr>
+          <p:cNvPr id="46" name="직선 화살표 연결선 45">
+            <a:extLst>
+              <a:ext uri="{FF2B5EF4-FFF2-40B4-BE49-F238E27FC236}">
+                <a16:creationId xmlns:a16="http://schemas.microsoft.com/office/drawing/2014/main" id="{2C86D5BB-341F-4FCF-BA10-C95D052D11CE}"/>
+              </a:ext>
+            </a:extLst>
+          </p:cNvPr>
+          <p:cNvCxnSpPr>
+            <a:cxnSpLocks/>
+            <a:stCxn id="17" idx="3"/>
+            <a:endCxn id="16" idx="1"/>
+          </p:cNvCxnSpPr>
+          <p:nvPr/>
+        </p:nvCxnSpPr>
+        <p:spPr>
+          <a:xfrm>
+            <a:off x="10908188" y="2211583"/>
+            <a:ext cx="714112" cy="0"/>
+          </a:xfrm>
+          <a:prstGeom prst="straightConnector1">
+            <a:avLst/>
+          </a:prstGeom>
+          <a:ln w="38100">
+            <a:solidFill>
+              <a:srgbClr val="00B0F0"/>
+            </a:solidFill>
+            <a:tailEnd type="triangle"/>
+          </a:ln>
+        </p:spPr>
+        <p:style>
+          <a:lnRef idx="1">
+            <a:schemeClr val="accent1"/>
+          </a:lnRef>
+          <a:fillRef idx="0">
+            <a:schemeClr val="accent1"/>
+          </a:fillRef>
+          <a:effectRef idx="0">
+            <a:schemeClr val="accent1"/>
+          </a:effectRef>
+          <a:fontRef idx="minor">
+            <a:schemeClr val="tx1"/>
+          </a:fontRef>
+        </p:style>
+      </p:cxnSp>
+      <p:cxnSp>
+        <p:nvCxnSpPr>
+          <p:cNvPr id="62" name="연결선: 꺾임 61">
+            <a:extLst>
+              <a:ext uri="{FF2B5EF4-FFF2-40B4-BE49-F238E27FC236}">
+                <a16:creationId xmlns:a16="http://schemas.microsoft.com/office/drawing/2014/main" id="{F9076F4D-BF42-425C-B39E-1C507228A0E6}"/>
+              </a:ext>
+            </a:extLst>
+          </p:cNvPr>
+          <p:cNvCxnSpPr>
+            <a:cxnSpLocks/>
+            <a:stCxn id="75" idx="3"/>
+            <a:endCxn id="16" idx="1"/>
+          </p:cNvCxnSpPr>
+          <p:nvPr/>
+        </p:nvCxnSpPr>
+        <p:spPr>
+          <a:xfrm flipV="1">
+            <a:off x="10908188" y="2211583"/>
+            <a:ext cx="714112" cy="1038140"/>
+          </a:xfrm>
+          <a:prstGeom prst="bentConnector3">
+            <a:avLst>
+              <a:gd name="adj1" fmla="val 55335"/>
+            </a:avLst>
+          </a:prstGeom>
+          <a:ln w="38100">
+            <a:solidFill>
+              <a:srgbClr val="00B0F0"/>
+            </a:solidFill>
+            <a:tailEnd type="triangle"/>
+          </a:ln>
+        </p:spPr>
+        <p:style>
+          <a:lnRef idx="1">
+            <a:schemeClr val="accent1"/>
+          </a:lnRef>
+          <a:fillRef idx="0">
+            <a:schemeClr val="accent1"/>
+          </a:fillRef>
+          <a:effectRef idx="0">
+            <a:schemeClr val="accent1"/>
+          </a:effectRef>
+          <a:fontRef idx="minor">
+            <a:schemeClr val="tx1"/>
+          </a:fontRef>
+        </p:style>
+      </p:cxnSp>
+      <p:cxnSp>
+        <p:nvCxnSpPr>
+          <p:cNvPr id="65" name="연결선: 꺾임 64">
+            <a:extLst>
+              <a:ext uri="{FF2B5EF4-FFF2-40B4-BE49-F238E27FC236}">
+                <a16:creationId xmlns:a16="http://schemas.microsoft.com/office/drawing/2014/main" id="{6B5E1815-EE6E-4784-8388-940F9C086947}"/>
+              </a:ext>
+            </a:extLst>
+          </p:cNvPr>
+          <p:cNvCxnSpPr>
+            <a:cxnSpLocks/>
+            <a:stCxn id="71" idx="3"/>
+            <a:endCxn id="14" idx="1"/>
+          </p:cNvCxnSpPr>
+          <p:nvPr/>
+        </p:nvCxnSpPr>
+        <p:spPr>
+          <a:xfrm>
+            <a:off x="10908188" y="2419211"/>
+            <a:ext cx="714112" cy="1038139"/>
+          </a:xfrm>
+          <a:prstGeom prst="bentConnector3">
+            <a:avLst>
+              <a:gd name="adj1" fmla="val 43998"/>
+            </a:avLst>
+          </a:prstGeom>
+          <a:ln w="38100">
+            <a:tailEnd type="triangle"/>
+          </a:ln>
+        </p:spPr>
+        <p:style>
+          <a:lnRef idx="1">
+            <a:schemeClr val="accent1"/>
+          </a:lnRef>
+          <a:fillRef idx="0">
+            <a:schemeClr val="accent1"/>
+          </a:fillRef>
+          <a:effectRef idx="0">
+            <a:schemeClr val="accent1"/>
+          </a:effectRef>
+          <a:fontRef idx="minor">
+            <a:schemeClr val="tx1"/>
+          </a:fontRef>
+        </p:style>
+      </p:cxnSp>
+      <p:sp>
+        <p:nvSpPr>
+          <p:cNvPr id="70" name="사각형: 둥근 모서리 69">
+            <a:extLst>
+              <a:ext uri="{FF2B5EF4-FFF2-40B4-BE49-F238E27FC236}">
+                <a16:creationId xmlns:a16="http://schemas.microsoft.com/office/drawing/2014/main" id="{E63FEAC8-7197-4C01-A53C-1CC9FC55DA94}"/>
+              </a:ext>
+            </a:extLst>
+          </p:cNvPr>
+          <p:cNvSpPr/>
+          <p:nvPr/>
+        </p:nvSpPr>
+        <p:spPr>
+          <a:xfrm>
+            <a:off x="10800188" y="1949955"/>
+            <a:ext cx="108000" cy="108000"/>
+          </a:xfrm>
+          <a:prstGeom prst="roundRect">
+            <a:avLst/>
+          </a:prstGeom>
+          <a:pattFill prst="dkUpDiag">
+            <a:fgClr>
+              <a:schemeClr val="accent1">
+                <a:lumMod val="75000"/>
+              </a:schemeClr>
+            </a:fgClr>
+            <a:bgClr>
+              <a:schemeClr val="accent4">
+                <a:lumMod val="50000"/>
+              </a:schemeClr>
+            </a:bgClr>
+          </a:pattFill>
+          <a:ln w="38100">
+            <a:noFill/>
+          </a:ln>
+        </p:spPr>
+        <p:style>
+          <a:lnRef idx="2">
+            <a:schemeClr val="accent1">
+              <a:shade val="50000"/>
+            </a:schemeClr>
+          </a:lnRef>
+          <a:fillRef idx="1">
+            <a:schemeClr val="accent1"/>
+          </a:fillRef>
+          <a:effectRef idx="0">
+            <a:schemeClr val="accent1"/>
+          </a:effectRef>
+          <a:fontRef idx="minor">
+            <a:schemeClr val="lt1"/>
+          </a:fontRef>
+        </p:style>
+        <p:txBody>
+          <a:bodyPr rtlCol="0" anchor="ctr"/>
+          <a:lstStyle/>
+          <a:p>
+            <a:pPr algn="ctr"/>
+            <a:endParaRPr lang="ko-KR" altLang="en-US" dirty="0"/>
+          </a:p>
+        </p:txBody>
+      </p:sp>
+      <p:sp>
+        <p:nvSpPr>
+          <p:cNvPr id="71" name="사각형: 둥근 모서리 70">
+            <a:extLst>
+              <a:ext uri="{FF2B5EF4-FFF2-40B4-BE49-F238E27FC236}">
+                <a16:creationId xmlns:a16="http://schemas.microsoft.com/office/drawing/2014/main" id="{5FF3BC38-FA1E-4FC1-B040-843D24CCF906}"/>
+              </a:ext>
+            </a:extLst>
+          </p:cNvPr>
+          <p:cNvSpPr/>
+          <p:nvPr/>
+        </p:nvSpPr>
+        <p:spPr>
+          <a:xfrm>
+            <a:off x="10800188" y="2365211"/>
+            <a:ext cx="108000" cy="108000"/>
+          </a:xfrm>
+          <a:prstGeom prst="roundRect">
+            <a:avLst/>
+          </a:prstGeom>
+          <a:pattFill prst="dkUpDiag">
+            <a:fgClr>
+              <a:schemeClr val="accent1">
+                <a:lumMod val="75000"/>
+              </a:schemeClr>
+            </a:fgClr>
+            <a:bgClr>
+              <a:schemeClr val="accent4">
+                <a:lumMod val="50000"/>
+              </a:schemeClr>
+            </a:bgClr>
+          </a:pattFill>
+          <a:ln w="38100">
+            <a:noFill/>
+          </a:ln>
+        </p:spPr>
+        <p:style>
+          <a:lnRef idx="2">
+            <a:schemeClr val="accent1">
+              <a:shade val="50000"/>
+            </a:schemeClr>
+          </a:lnRef>
+          <a:fillRef idx="1">
+            <a:schemeClr val="accent1"/>
+          </a:fillRef>
+          <a:effectRef idx="0">
+            <a:schemeClr val="accent1"/>
+          </a:effectRef>
+          <a:fontRef idx="minor">
+            <a:schemeClr val="lt1"/>
+          </a:fontRef>
+        </p:style>
+        <p:txBody>
+          <a:bodyPr rtlCol="0" anchor="ctr"/>
+          <a:lstStyle/>
+          <a:p>
+            <a:pPr algn="ctr"/>
+            <a:endParaRPr lang="ko-KR" altLang="en-US" dirty="0"/>
+          </a:p>
+        </p:txBody>
+      </p:sp>
+      <p:sp>
+        <p:nvSpPr>
+          <p:cNvPr id="75" name="사각형: 둥근 모서리 74">
+            <a:extLst>
+              <a:ext uri="{FF2B5EF4-FFF2-40B4-BE49-F238E27FC236}">
+                <a16:creationId xmlns:a16="http://schemas.microsoft.com/office/drawing/2014/main" id="{285B26B4-1AE7-4EC4-B98D-C07EA94C5599}"/>
+              </a:ext>
+            </a:extLst>
+          </p:cNvPr>
+          <p:cNvSpPr/>
+          <p:nvPr/>
+        </p:nvSpPr>
+        <p:spPr>
+          <a:xfrm>
+            <a:off x="10800188" y="3195723"/>
+            <a:ext cx="108000" cy="108000"/>
+          </a:xfrm>
+          <a:prstGeom prst="roundRect">
+            <a:avLst/>
+          </a:prstGeom>
+          <a:pattFill prst="dkUpDiag">
+            <a:fgClr>
+              <a:schemeClr val="accent1">
+                <a:lumMod val="75000"/>
+              </a:schemeClr>
+            </a:fgClr>
+            <a:bgClr>
+              <a:schemeClr val="accent4">
+                <a:lumMod val="50000"/>
+              </a:schemeClr>
+            </a:bgClr>
+          </a:pattFill>
+          <a:ln w="38100">
+            <a:noFill/>
+          </a:ln>
+        </p:spPr>
+        <p:style>
+          <a:lnRef idx="2">
+            <a:schemeClr val="accent1">
+              <a:shade val="50000"/>
+            </a:schemeClr>
+          </a:lnRef>
+          <a:fillRef idx="1">
+            <a:schemeClr val="accent1"/>
+          </a:fillRef>
+          <a:effectRef idx="0">
+            <a:schemeClr val="accent1"/>
+          </a:effectRef>
+          <a:fontRef idx="minor">
+            <a:schemeClr val="lt1"/>
+          </a:fontRef>
+        </p:style>
+        <p:txBody>
+          <a:bodyPr rtlCol="0" anchor="ctr"/>
+          <a:lstStyle/>
+          <a:p>
+            <a:pPr algn="ctr"/>
+            <a:endParaRPr lang="ko-KR" altLang="en-US" dirty="0"/>
+          </a:p>
+        </p:txBody>
+      </p:sp>
+      <p:sp>
+        <p:nvSpPr>
+          <p:cNvPr id="76" name="사각형: 둥근 모서리 75">
+            <a:extLst>
+              <a:ext uri="{FF2B5EF4-FFF2-40B4-BE49-F238E27FC236}">
+                <a16:creationId xmlns:a16="http://schemas.microsoft.com/office/drawing/2014/main" id="{D1302E1E-0E79-4C5D-AD8F-61CDDCCE8237}"/>
+              </a:ext>
+            </a:extLst>
+          </p:cNvPr>
+          <p:cNvSpPr/>
+          <p:nvPr/>
+        </p:nvSpPr>
+        <p:spPr>
+          <a:xfrm>
+            <a:off x="10800188" y="3610979"/>
+            <a:ext cx="108000" cy="108000"/>
+          </a:xfrm>
+          <a:prstGeom prst="roundRect">
+            <a:avLst/>
+          </a:prstGeom>
+          <a:pattFill prst="dkUpDiag">
+            <a:fgClr>
+              <a:schemeClr val="accent1">
+                <a:lumMod val="75000"/>
+              </a:schemeClr>
+            </a:fgClr>
+            <a:bgClr>
+              <a:schemeClr val="accent4">
+                <a:lumMod val="50000"/>
+              </a:schemeClr>
+            </a:bgClr>
+          </a:pattFill>
+          <a:ln w="38100">
+            <a:noFill/>
+          </a:ln>
+        </p:spPr>
+        <p:style>
+          <a:lnRef idx="2">
+            <a:schemeClr val="accent1">
+              <a:shade val="50000"/>
+            </a:schemeClr>
+          </a:lnRef>
+          <a:fillRef idx="1">
+            <a:schemeClr val="accent1"/>
+          </a:fillRef>
+          <a:effectRef idx="0">
+            <a:schemeClr val="accent1"/>
+          </a:effectRef>
+          <a:fontRef idx="minor">
+            <a:schemeClr val="lt1"/>
+          </a:fontRef>
+        </p:style>
+        <p:txBody>
+          <a:bodyPr rtlCol="0" anchor="ctr"/>
+          <a:lstStyle/>
+          <a:p>
+            <a:pPr algn="ctr"/>
+            <a:endParaRPr lang="ko-KR" altLang="en-US" dirty="0"/>
+          </a:p>
+        </p:txBody>
+      </p:sp>
+      <p:sp>
+        <p:nvSpPr>
+          <p:cNvPr id="24" name="사각형: 둥근 모서리 23">
+            <a:extLst>
+              <a:ext uri="{FF2B5EF4-FFF2-40B4-BE49-F238E27FC236}">
+                <a16:creationId xmlns:a16="http://schemas.microsoft.com/office/drawing/2014/main" id="{069DE327-A2D5-4BA8-B8F9-EA40268AC05E}"/>
+              </a:ext>
+            </a:extLst>
+          </p:cNvPr>
+          <p:cNvSpPr/>
+          <p:nvPr/>
+        </p:nvSpPr>
+        <p:spPr>
+          <a:xfrm>
+            <a:off x="-1760252" y="3045879"/>
+            <a:ext cx="1992388" cy="830511"/>
+          </a:xfrm>
+          <a:prstGeom prst="roundRect">
+            <a:avLst/>
+          </a:prstGeom>
+          <a:pattFill prst="dkUpDiag">
+            <a:fgClr>
+              <a:schemeClr val="accent1">
+                <a:lumMod val="75000"/>
+              </a:schemeClr>
+            </a:fgClr>
+            <a:bgClr>
+              <a:schemeClr val="accent4">
+                <a:lumMod val="50000"/>
+              </a:schemeClr>
+            </a:bgClr>
+          </a:pattFill>
+          <a:ln>
+            <a:noFill/>
+          </a:ln>
+        </p:spPr>
+        <p:style>
+          <a:lnRef idx="2">
+            <a:schemeClr val="accent1">
+              <a:shade val="50000"/>
+            </a:schemeClr>
+          </a:lnRef>
+          <a:fillRef idx="1">
+            <a:schemeClr val="accent1"/>
+          </a:fillRef>
+          <a:effectRef idx="0">
+            <a:schemeClr val="accent1"/>
+          </a:effectRef>
+          <a:fontRef idx="minor">
+            <a:schemeClr val="lt1"/>
+          </a:fontRef>
+        </p:style>
+        <p:txBody>
+          <a:bodyPr rtlCol="0" anchor="ctr"/>
+          <a:lstStyle/>
+          <a:p>
+            <a:pPr algn="ctr"/>
+            <a:r>
+              <a:rPr lang="en-US" altLang="ko-KR" dirty="0"/>
+              <a:t>Mel</a:t>
+            </a:r>
+            <a:endParaRPr lang="ko-KR" altLang="en-US" dirty="0"/>
+          </a:p>
+        </p:txBody>
+      </p:sp>
+      <p:cxnSp>
+        <p:nvCxnSpPr>
+          <p:cNvPr id="26" name="직선 화살표 연결선 25">
+            <a:extLst>
+              <a:ext uri="{FF2B5EF4-FFF2-40B4-BE49-F238E27FC236}">
+                <a16:creationId xmlns:a16="http://schemas.microsoft.com/office/drawing/2014/main" id="{5994F5D5-7855-4AF8-B07D-60990840FC79}"/>
+              </a:ext>
+            </a:extLst>
+          </p:cNvPr>
+          <p:cNvCxnSpPr>
+            <a:cxnSpLocks/>
+            <a:stCxn id="24" idx="3"/>
+            <a:endCxn id="9" idx="1"/>
+          </p:cNvCxnSpPr>
+          <p:nvPr/>
+        </p:nvCxnSpPr>
+        <p:spPr>
+          <a:xfrm>
+            <a:off x="232136" y="3461135"/>
+            <a:ext cx="639138" cy="1"/>
+          </a:xfrm>
+          <a:prstGeom prst="straightConnector1">
+            <a:avLst/>
+          </a:prstGeom>
+          <a:ln w="38100">
+            <a:tailEnd type="triangle"/>
+          </a:ln>
+        </p:spPr>
+        <p:style>
+          <a:lnRef idx="1">
+            <a:schemeClr val="accent1"/>
+          </a:lnRef>
+          <a:fillRef idx="0">
+            <a:schemeClr val="accent1"/>
+          </a:fillRef>
+          <a:effectRef idx="0">
+            <a:schemeClr val="accent1"/>
+          </a:effectRef>
+          <a:fontRef idx="minor">
+            <a:schemeClr val="tx1"/>
+          </a:fontRef>
+        </p:style>
+      </p:cxnSp>
+      <p:sp>
+        <p:nvSpPr>
+          <p:cNvPr id="29" name="사각형: 둥근 모서리 28">
+            <a:extLst>
+              <a:ext uri="{FF2B5EF4-FFF2-40B4-BE49-F238E27FC236}">
+                <a16:creationId xmlns:a16="http://schemas.microsoft.com/office/drawing/2014/main" id="{6A4C553E-6F98-4B67-B353-2834BFD3038C}"/>
+              </a:ext>
+            </a:extLst>
+          </p:cNvPr>
+          <p:cNvSpPr/>
+          <p:nvPr/>
+        </p:nvSpPr>
+        <p:spPr>
+          <a:xfrm>
+            <a:off x="3502800" y="4287860"/>
+            <a:ext cx="1992388" cy="830511"/>
+          </a:xfrm>
+          <a:prstGeom prst="roundRect">
+            <a:avLst/>
+          </a:prstGeom>
+          <a:pattFill prst="dkUpDiag">
+            <a:fgClr>
+              <a:schemeClr val="accent1">
+                <a:lumMod val="75000"/>
+              </a:schemeClr>
+            </a:fgClr>
+            <a:bgClr>
+              <a:schemeClr val="accent4">
+                <a:lumMod val="50000"/>
+              </a:schemeClr>
+            </a:bgClr>
+          </a:pattFill>
+          <a:ln>
+            <a:noFill/>
+          </a:ln>
+        </p:spPr>
+        <p:style>
+          <a:lnRef idx="2">
+            <a:schemeClr val="accent1">
+              <a:shade val="50000"/>
+            </a:schemeClr>
+          </a:lnRef>
+          <a:fillRef idx="1">
+            <a:schemeClr val="accent1"/>
+          </a:fillRef>
+          <a:effectRef idx="0">
+            <a:schemeClr val="accent1"/>
+          </a:effectRef>
+          <a:fontRef idx="minor">
+            <a:schemeClr val="lt1"/>
+          </a:fontRef>
+        </p:style>
+        <p:txBody>
+          <a:bodyPr rtlCol="0" anchor="ctr"/>
+          <a:lstStyle/>
+          <a:p>
+            <a:pPr algn="ctr"/>
+            <a:r>
+              <a:rPr lang="en-US" altLang="ko-KR" dirty="0"/>
+              <a:t>Pitch regression Network</a:t>
+            </a:r>
+            <a:endParaRPr lang="ko-KR" altLang="en-US" dirty="0"/>
+          </a:p>
+        </p:txBody>
+      </p:sp>
+      <p:sp>
+        <p:nvSpPr>
+          <p:cNvPr id="30" name="사각형: 둥근 모서리 29">
+            <a:extLst>
+              <a:ext uri="{FF2B5EF4-FFF2-40B4-BE49-F238E27FC236}">
+                <a16:creationId xmlns:a16="http://schemas.microsoft.com/office/drawing/2014/main" id="{1F64B4EB-F143-458D-BEF6-F426B7ECCFB7}"/>
+              </a:ext>
+            </a:extLst>
+          </p:cNvPr>
+          <p:cNvSpPr/>
+          <p:nvPr/>
+        </p:nvSpPr>
+        <p:spPr>
+          <a:xfrm>
+            <a:off x="3502800" y="5533626"/>
+            <a:ext cx="1992388" cy="830511"/>
+          </a:xfrm>
+          <a:prstGeom prst="roundRect">
+            <a:avLst/>
+          </a:prstGeom>
+          <a:pattFill prst="dkUpDiag">
+            <a:fgClr>
+              <a:schemeClr val="accent1">
+                <a:lumMod val="75000"/>
+              </a:schemeClr>
+            </a:fgClr>
+            <a:bgClr>
+              <a:schemeClr val="accent4">
+                <a:lumMod val="50000"/>
+              </a:schemeClr>
+            </a:bgClr>
+          </a:pattFill>
+          <a:ln>
+            <a:noFill/>
+          </a:ln>
+        </p:spPr>
+        <p:style>
+          <a:lnRef idx="2">
+            <a:schemeClr val="accent1">
+              <a:shade val="50000"/>
+            </a:schemeClr>
+          </a:lnRef>
+          <a:fillRef idx="1">
+            <a:schemeClr val="accent1"/>
+          </a:fillRef>
+          <a:effectRef idx="0">
+            <a:schemeClr val="accent1"/>
+          </a:effectRef>
+          <a:fontRef idx="minor">
+            <a:schemeClr val="lt1"/>
+          </a:fontRef>
+        </p:style>
+        <p:txBody>
+          <a:bodyPr rtlCol="0" anchor="ctr"/>
+          <a:lstStyle/>
+          <a:p>
+            <a:pPr algn="ctr"/>
+            <a:r>
+              <a:rPr lang="en-US" altLang="ko-KR" dirty="0"/>
+              <a:t>Singer classification Network</a:t>
+            </a:r>
+            <a:endParaRPr lang="ko-KR" altLang="en-US" dirty="0"/>
+          </a:p>
+        </p:txBody>
+      </p:sp>
+      <p:cxnSp>
+        <p:nvCxnSpPr>
+          <p:cNvPr id="31" name="연결선: 꺾임 30">
+            <a:extLst>
+              <a:ext uri="{FF2B5EF4-FFF2-40B4-BE49-F238E27FC236}">
+                <a16:creationId xmlns:a16="http://schemas.microsoft.com/office/drawing/2014/main" id="{587653AD-127D-4ADD-9BD2-B0A06B1C8533}"/>
+              </a:ext>
+            </a:extLst>
+          </p:cNvPr>
+          <p:cNvCxnSpPr>
+            <a:cxnSpLocks/>
+            <a:stCxn id="9" idx="2"/>
+            <a:endCxn id="29" idx="1"/>
+          </p:cNvCxnSpPr>
+          <p:nvPr/>
+        </p:nvCxnSpPr>
+        <p:spPr>
+          <a:xfrm rot="16200000" flipH="1">
+            <a:off x="2271772" y="3472087"/>
+            <a:ext cx="826725" cy="1635332"/>
+          </a:xfrm>
+          <a:prstGeom prst="bentConnector2">
+            <a:avLst/>
+          </a:prstGeom>
+          <a:ln w="38100">
+            <a:solidFill>
+              <a:srgbClr val="00B0F0"/>
+            </a:solidFill>
+            <a:tailEnd type="triangle"/>
+          </a:ln>
+        </p:spPr>
+        <p:style>
+          <a:lnRef idx="1">
+            <a:schemeClr val="accent1"/>
+          </a:lnRef>
+          <a:fillRef idx="0">
+            <a:schemeClr val="accent1"/>
+          </a:fillRef>
+          <a:effectRef idx="0">
+            <a:schemeClr val="accent1"/>
+          </a:effectRef>
+          <a:fontRef idx="minor">
+            <a:schemeClr val="tx1"/>
+          </a:fontRef>
+        </p:style>
+      </p:cxnSp>
+      <p:cxnSp>
+        <p:nvCxnSpPr>
+          <p:cNvPr id="34" name="연결선: 꺾임 33">
+            <a:extLst>
+              <a:ext uri="{FF2B5EF4-FFF2-40B4-BE49-F238E27FC236}">
+                <a16:creationId xmlns:a16="http://schemas.microsoft.com/office/drawing/2014/main" id="{3A4A1A2B-39BE-4ED5-8804-82D89DA610F9}"/>
+              </a:ext>
+            </a:extLst>
+          </p:cNvPr>
+          <p:cNvCxnSpPr>
+            <a:cxnSpLocks/>
+            <a:stCxn id="9" idx="2"/>
+            <a:endCxn id="30" idx="1"/>
+          </p:cNvCxnSpPr>
+          <p:nvPr/>
+        </p:nvCxnSpPr>
+        <p:spPr>
+          <a:xfrm rot="16200000" flipH="1">
+            <a:off x="1648889" y="4094970"/>
+            <a:ext cx="2072491" cy="1635332"/>
+          </a:xfrm>
+          <a:prstGeom prst="bentConnector2">
+            <a:avLst/>
+          </a:prstGeom>
+          <a:ln w="38100">
+            <a:solidFill>
+              <a:srgbClr val="00B0F0"/>
+            </a:solidFill>
+            <a:tailEnd type="triangle"/>
+          </a:ln>
+        </p:spPr>
+        <p:style>
+          <a:lnRef idx="1">
+            <a:schemeClr val="accent1"/>
+          </a:lnRef>
+          <a:fillRef idx="0">
+            <a:schemeClr val="accent1"/>
+          </a:fillRef>
+          <a:effectRef idx="0">
+            <a:schemeClr val="accent1"/>
+          </a:effectRef>
+          <a:fontRef idx="minor">
+            <a:schemeClr val="tx1"/>
+          </a:fontRef>
+        </p:style>
+      </p:cxnSp>
+      <p:sp>
+        <p:nvSpPr>
+          <p:cNvPr id="35" name="사각형: 둥근 모서리 34">
+            <a:extLst>
+              <a:ext uri="{FF2B5EF4-FFF2-40B4-BE49-F238E27FC236}">
+                <a16:creationId xmlns:a16="http://schemas.microsoft.com/office/drawing/2014/main" id="{1CD1F50E-CAD0-404E-A121-E67A42E34AFB}"/>
+              </a:ext>
+            </a:extLst>
+          </p:cNvPr>
+          <p:cNvSpPr/>
+          <p:nvPr/>
+        </p:nvSpPr>
+        <p:spPr>
+          <a:xfrm>
+            <a:off x="871274" y="1949447"/>
+            <a:ext cx="1992388" cy="830511"/>
+          </a:xfrm>
+          <a:prstGeom prst="roundRect">
+            <a:avLst/>
+          </a:prstGeom>
+          <a:pattFill prst="dkUpDiag">
+            <a:fgClr>
+              <a:schemeClr val="accent1">
+                <a:lumMod val="75000"/>
+              </a:schemeClr>
+            </a:fgClr>
+            <a:bgClr>
+              <a:schemeClr val="accent4">
+                <a:lumMod val="50000"/>
+              </a:schemeClr>
+            </a:bgClr>
+          </a:pattFill>
+          <a:ln>
+            <a:noFill/>
+          </a:ln>
+        </p:spPr>
+        <p:style>
+          <a:lnRef idx="2">
+            <a:schemeClr val="accent1">
+              <a:shade val="50000"/>
+            </a:schemeClr>
+          </a:lnRef>
+          <a:fillRef idx="1">
+            <a:schemeClr val="accent1"/>
+          </a:fillRef>
+          <a:effectRef idx="0">
+            <a:schemeClr val="accent1"/>
+          </a:effectRef>
+          <a:fontRef idx="minor">
+            <a:schemeClr val="lt1"/>
+          </a:fontRef>
+        </p:style>
+        <p:txBody>
+          <a:bodyPr rtlCol="0" anchor="ctr"/>
+          <a:lstStyle/>
+          <a:p>
+            <a:pPr algn="ctr"/>
+            <a:r>
+              <a:rPr lang="en-US" altLang="ko-KR" dirty="0"/>
+              <a:t>Singer</a:t>
+            </a:r>
+            <a:endParaRPr lang="ko-KR" altLang="en-US" dirty="0"/>
+          </a:p>
+        </p:txBody>
+      </p:sp>
+      <p:sp>
+        <p:nvSpPr>
+          <p:cNvPr id="40" name="사각형: 둥근 모서리 39">
+            <a:extLst>
+              <a:ext uri="{FF2B5EF4-FFF2-40B4-BE49-F238E27FC236}">
+                <a16:creationId xmlns:a16="http://schemas.microsoft.com/office/drawing/2014/main" id="{8F7ED319-819E-4752-9789-0F0AAB535121}"/>
+              </a:ext>
+            </a:extLst>
+          </p:cNvPr>
+          <p:cNvSpPr/>
+          <p:nvPr/>
+        </p:nvSpPr>
+        <p:spPr>
+          <a:xfrm>
+            <a:off x="3502800" y="3045880"/>
+            <a:ext cx="1992388" cy="830511"/>
+          </a:xfrm>
+          <a:prstGeom prst="roundRect">
+            <a:avLst/>
+          </a:prstGeom>
+          <a:pattFill prst="dkUpDiag">
+            <a:fgClr>
+              <a:schemeClr val="accent1">
+                <a:lumMod val="75000"/>
+              </a:schemeClr>
+            </a:fgClr>
+            <a:bgClr>
+              <a:schemeClr val="accent4">
+                <a:lumMod val="50000"/>
+              </a:schemeClr>
+            </a:bgClr>
+          </a:pattFill>
+          <a:ln>
+            <a:noFill/>
+          </a:ln>
+        </p:spPr>
+        <p:style>
+          <a:lnRef idx="2">
+            <a:schemeClr val="accent1">
+              <a:shade val="50000"/>
+            </a:schemeClr>
+          </a:lnRef>
+          <a:fillRef idx="1">
+            <a:schemeClr val="accent1"/>
+          </a:fillRef>
+          <a:effectRef idx="0">
+            <a:schemeClr val="accent1"/>
+          </a:effectRef>
+          <a:fontRef idx="minor">
+            <a:schemeClr val="lt1"/>
+          </a:fontRef>
+        </p:style>
+        <p:txBody>
+          <a:bodyPr rtlCol="0" anchor="ctr"/>
+          <a:lstStyle/>
+          <a:p>
+            <a:pPr algn="ctr"/>
+            <a:r>
+              <a:rPr lang="en-US" altLang="ko-KR" dirty="0"/>
+              <a:t>Post encoder</a:t>
+            </a:r>
+            <a:endParaRPr lang="ko-KR" altLang="en-US" dirty="0"/>
+          </a:p>
+        </p:txBody>
+      </p:sp>
+      <p:sp>
+        <p:nvSpPr>
+          <p:cNvPr id="51" name="사각형: 둥근 모서리 50">
+            <a:extLst>
+              <a:ext uri="{FF2B5EF4-FFF2-40B4-BE49-F238E27FC236}">
+                <a16:creationId xmlns:a16="http://schemas.microsoft.com/office/drawing/2014/main" id="{811240AC-2D5B-4C52-A08F-D89B840D1163}"/>
+              </a:ext>
+            </a:extLst>
+          </p:cNvPr>
+          <p:cNvSpPr/>
+          <p:nvPr/>
+        </p:nvSpPr>
+        <p:spPr>
+          <a:xfrm>
+            <a:off x="871274" y="853014"/>
+            <a:ext cx="1992388" cy="830511"/>
+          </a:xfrm>
+          <a:prstGeom prst="roundRect">
+            <a:avLst/>
+          </a:prstGeom>
+          <a:pattFill prst="dkUpDiag">
+            <a:fgClr>
+              <a:schemeClr val="accent1">
+                <a:lumMod val="75000"/>
+              </a:schemeClr>
+            </a:fgClr>
+            <a:bgClr>
+              <a:schemeClr val="accent4">
+                <a:lumMod val="50000"/>
+              </a:schemeClr>
+            </a:bgClr>
+          </a:pattFill>
+          <a:ln>
+            <a:noFill/>
+          </a:ln>
+        </p:spPr>
+        <p:style>
+          <a:lnRef idx="2">
+            <a:schemeClr val="accent1">
+              <a:shade val="50000"/>
+            </a:schemeClr>
+          </a:lnRef>
+          <a:fillRef idx="1">
+            <a:schemeClr val="accent1"/>
+          </a:fillRef>
+          <a:effectRef idx="0">
+            <a:schemeClr val="accent1"/>
+          </a:effectRef>
+          <a:fontRef idx="minor">
+            <a:schemeClr val="lt1"/>
+          </a:fontRef>
+        </p:style>
+        <p:txBody>
+          <a:bodyPr rtlCol="0" anchor="ctr"/>
+          <a:lstStyle/>
+          <a:p>
+            <a:pPr algn="ctr"/>
+            <a:r>
+              <a:rPr lang="en-US" altLang="ko-KR" dirty="0"/>
+              <a:t>Pitch</a:t>
+            </a:r>
+            <a:endParaRPr lang="ko-KR" altLang="en-US" dirty="0"/>
+          </a:p>
+        </p:txBody>
+      </p:sp>
+      <p:cxnSp>
+        <p:nvCxnSpPr>
+          <p:cNvPr id="53" name="연결선: 꺾임 52">
+            <a:extLst>
+              <a:ext uri="{FF2B5EF4-FFF2-40B4-BE49-F238E27FC236}">
+                <a16:creationId xmlns:a16="http://schemas.microsoft.com/office/drawing/2014/main" id="{4EA17B2C-500A-4BAE-AFE8-01E77F80C80A}"/>
+              </a:ext>
+            </a:extLst>
+          </p:cNvPr>
+          <p:cNvCxnSpPr>
+            <a:cxnSpLocks/>
+            <a:stCxn id="35" idx="3"/>
+            <a:endCxn id="40" idx="1"/>
+          </p:cNvCxnSpPr>
+          <p:nvPr/>
+        </p:nvCxnSpPr>
+        <p:spPr>
+          <a:xfrm>
+            <a:off x="2863662" y="2364703"/>
+            <a:ext cx="639138" cy="1096433"/>
+          </a:xfrm>
+          <a:prstGeom prst="bentConnector3">
+            <a:avLst>
+              <a:gd name="adj1" fmla="val 50000"/>
+            </a:avLst>
+          </a:prstGeom>
+          <a:ln w="38100">
+            <a:tailEnd type="triangle"/>
+          </a:ln>
+        </p:spPr>
+        <p:style>
+          <a:lnRef idx="1">
+            <a:schemeClr val="accent1"/>
+          </a:lnRef>
+          <a:fillRef idx="0">
+            <a:schemeClr val="accent1"/>
+          </a:fillRef>
+          <a:effectRef idx="0">
+            <a:schemeClr val="accent1"/>
+          </a:effectRef>
+          <a:fontRef idx="minor">
+            <a:schemeClr val="tx1"/>
+          </a:fontRef>
+        </p:style>
+      </p:cxnSp>
+      <p:cxnSp>
+        <p:nvCxnSpPr>
+          <p:cNvPr id="56" name="연결선: 꺾임 55">
+            <a:extLst>
+              <a:ext uri="{FF2B5EF4-FFF2-40B4-BE49-F238E27FC236}">
+                <a16:creationId xmlns:a16="http://schemas.microsoft.com/office/drawing/2014/main" id="{96412CB3-6520-4BDC-A77F-EF37812C7091}"/>
+              </a:ext>
+            </a:extLst>
+          </p:cNvPr>
+          <p:cNvCxnSpPr>
+            <a:cxnSpLocks/>
+            <a:stCxn id="51" idx="3"/>
+            <a:endCxn id="40" idx="1"/>
+          </p:cNvCxnSpPr>
+          <p:nvPr/>
+        </p:nvCxnSpPr>
+        <p:spPr>
+          <a:xfrm>
+            <a:off x="2863662" y="1268270"/>
+            <a:ext cx="639138" cy="2192866"/>
+          </a:xfrm>
+          <a:prstGeom prst="bentConnector3">
+            <a:avLst>
+              <a:gd name="adj1" fmla="val 50000"/>
+            </a:avLst>
+          </a:prstGeom>
+          <a:ln w="38100">
+            <a:tailEnd type="triangle"/>
+          </a:ln>
+        </p:spPr>
+        <p:style>
+          <a:lnRef idx="1">
+            <a:schemeClr val="accent1"/>
+          </a:lnRef>
+          <a:fillRef idx="0">
+            <a:schemeClr val="accent1"/>
+          </a:fillRef>
+          <a:effectRef idx="0">
+            <a:schemeClr val="accent1"/>
+          </a:effectRef>
+          <a:fontRef idx="minor">
+            <a:schemeClr val="tx1"/>
+          </a:fontRef>
+        </p:style>
+      </p:cxnSp>
+      <p:cxnSp>
+        <p:nvCxnSpPr>
+          <p:cNvPr id="84" name="직선 화살표 연결선 83">
+            <a:extLst>
+              <a:ext uri="{FF2B5EF4-FFF2-40B4-BE49-F238E27FC236}">
+                <a16:creationId xmlns:a16="http://schemas.microsoft.com/office/drawing/2014/main" id="{0ABCF1E8-DEEB-42C2-B412-C3DEEBB1FBE6}"/>
+              </a:ext>
+            </a:extLst>
+          </p:cNvPr>
+          <p:cNvCxnSpPr>
+            <a:cxnSpLocks/>
+            <a:stCxn id="40" idx="3"/>
+            <a:endCxn id="12" idx="1"/>
+          </p:cNvCxnSpPr>
+          <p:nvPr/>
+        </p:nvCxnSpPr>
+        <p:spPr>
+          <a:xfrm flipV="1">
+            <a:off x="5495188" y="3457350"/>
+            <a:ext cx="714112" cy="3786"/>
+          </a:xfrm>
+          <a:prstGeom prst="straightConnector1">
+            <a:avLst/>
+          </a:prstGeom>
+          <a:ln w="38100">
+            <a:tailEnd type="triangle"/>
+          </a:ln>
+        </p:spPr>
+        <p:style>
+          <a:lnRef idx="1">
+            <a:schemeClr val="accent1"/>
+          </a:lnRef>
+          <a:fillRef idx="0">
+            <a:schemeClr val="accent1"/>
+          </a:fillRef>
+          <a:effectRef idx="0">
+            <a:schemeClr val="accent1"/>
+          </a:effectRef>
+          <a:fontRef idx="minor">
+            <a:schemeClr val="tx1"/>
+          </a:fontRef>
+        </p:style>
+      </p:cxnSp>
+    </p:spTree>
+    <p:extLst>
+      <p:ext uri="{BB962C8B-B14F-4D97-AF65-F5344CB8AC3E}">
+        <p14:creationId xmlns:p14="http://schemas.microsoft.com/office/powerpoint/2010/main" val="2338898431"/>
+      </p:ext>
+    </p:extLst>
+  </p:cSld>
+  <p:clrMapOvr>
+    <a:masterClrMapping/>
+  </p:clrMapOvr>
+</p:sld>
+</file>
+
+<file path=ppt/slides/slide3.xml><?xml version="1.0" encoding="utf-8"?>
+<p:sld xmlns:a="http://schemas.openxmlformats.org/drawingml/2006/main" xmlns:r="http://schemas.openxmlformats.org/officeDocument/2006/relationships" xmlns:p="http://schemas.openxmlformats.org/presentationml/2006/main">
+  <p:cSld>
+    <p:spTree>
+      <p:nvGrpSpPr>
+        <p:cNvPr id="1" name=""/>
+        <p:cNvGrpSpPr/>
+        <p:nvPr/>
+      </p:nvGrpSpPr>
+      <p:grpSpPr>
+        <a:xfrm>
+          <a:off x="0" y="0"/>
+          <a:ext cx="0" cy="0"/>
+          <a:chOff x="0" y="0"/>
+          <a:chExt cx="0" cy="0"/>
+        </a:xfrm>
+      </p:grpSpPr>
+      <p:sp>
+        <p:nvSpPr>
+          <p:cNvPr id="9" name="사각형: 둥근 모서리 8">
+            <a:extLst>
+              <a:ext uri="{FF2B5EF4-FFF2-40B4-BE49-F238E27FC236}">
+                <a16:creationId xmlns:a16="http://schemas.microsoft.com/office/drawing/2014/main" id="{05E5C323-23E9-487E-9327-995BB77BBEAE}"/>
+              </a:ext>
+            </a:extLst>
+          </p:cNvPr>
+          <p:cNvSpPr/>
+          <p:nvPr/>
+        </p:nvSpPr>
+        <p:spPr>
+          <a:xfrm>
+            <a:off x="1806080" y="3042093"/>
+            <a:ext cx="1992388" cy="830511"/>
+          </a:xfrm>
+          <a:prstGeom prst="roundRect">
+            <a:avLst/>
+          </a:prstGeom>
+          <a:pattFill prst="dkUpDiag">
+            <a:fgClr>
+              <a:schemeClr val="accent1">
+                <a:lumMod val="75000"/>
+              </a:schemeClr>
+            </a:fgClr>
+            <a:bgClr>
+              <a:schemeClr val="accent4">
+                <a:lumMod val="50000"/>
+              </a:schemeClr>
+            </a:bgClr>
+          </a:pattFill>
+          <a:ln>
+            <a:noFill/>
+          </a:ln>
+        </p:spPr>
+        <p:style>
+          <a:lnRef idx="2">
+            <a:schemeClr val="accent1">
+              <a:shade val="50000"/>
+            </a:schemeClr>
+          </a:lnRef>
+          <a:fillRef idx="1">
+            <a:schemeClr val="accent1"/>
+          </a:fillRef>
+          <a:effectRef idx="0">
+            <a:schemeClr val="accent1"/>
+          </a:effectRef>
+          <a:fontRef idx="minor">
+            <a:schemeClr val="lt1"/>
+          </a:fontRef>
+        </p:style>
+        <p:txBody>
+          <a:bodyPr rtlCol="0" anchor="ctr"/>
+          <a:lstStyle/>
+          <a:p>
+            <a:pPr algn="ctr"/>
+            <a:r>
+              <a:rPr lang="en-US" altLang="ko-KR" dirty="0"/>
+              <a:t>Encoder</a:t>
+            </a:r>
+            <a:endParaRPr lang="ko-KR" altLang="en-US" dirty="0"/>
+          </a:p>
+        </p:txBody>
+      </p:sp>
+      <p:sp>
+        <p:nvSpPr>
+          <p:cNvPr id="11" name="사각형: 둥근 모서리 10">
+            <a:extLst>
+              <a:ext uri="{FF2B5EF4-FFF2-40B4-BE49-F238E27FC236}">
+                <a16:creationId xmlns:a16="http://schemas.microsoft.com/office/drawing/2014/main" id="{47F829A0-8648-458D-84CD-096651CB6BC0}"/>
+              </a:ext>
+            </a:extLst>
+          </p:cNvPr>
+          <p:cNvSpPr/>
+          <p:nvPr/>
+        </p:nvSpPr>
+        <p:spPr>
+          <a:xfrm>
+            <a:off x="1806080" y="1796326"/>
+            <a:ext cx="1992388" cy="830511"/>
+          </a:xfrm>
+          <a:prstGeom prst="roundRect">
+            <a:avLst/>
+          </a:prstGeom>
+          <a:pattFill prst="dkUpDiag">
+            <a:fgClr>
+              <a:schemeClr val="accent1">
+                <a:lumMod val="75000"/>
+              </a:schemeClr>
+            </a:fgClr>
+            <a:bgClr>
+              <a:schemeClr val="accent4">
+                <a:lumMod val="50000"/>
+              </a:schemeClr>
+            </a:bgClr>
+          </a:pattFill>
+          <a:ln>
+            <a:noFill/>
+          </a:ln>
+        </p:spPr>
+        <p:style>
+          <a:lnRef idx="2">
+            <a:schemeClr val="accent1">
+              <a:shade val="50000"/>
+            </a:schemeClr>
+          </a:lnRef>
+          <a:fillRef idx="1">
+            <a:schemeClr val="accent1"/>
+          </a:fillRef>
+          <a:effectRef idx="0">
+            <a:schemeClr val="accent1"/>
+          </a:effectRef>
+          <a:fontRef idx="minor">
+            <a:schemeClr val="lt1"/>
+          </a:fontRef>
+        </p:style>
+        <p:txBody>
+          <a:bodyPr rtlCol="0" anchor="ctr"/>
+          <a:lstStyle/>
+          <a:p>
+            <a:pPr algn="ctr"/>
+            <a:r>
+              <a:rPr lang="en-US" altLang="ko-KR" dirty="0"/>
+              <a:t>Gaussian noise</a:t>
+            </a:r>
+            <a:endParaRPr lang="ko-KR" altLang="en-US" dirty="0"/>
+          </a:p>
+        </p:txBody>
+      </p:sp>
+      <p:sp>
+        <p:nvSpPr>
+          <p:cNvPr id="12" name="사각형: 둥근 모서리 11">
+            <a:extLst>
+              <a:ext uri="{FF2B5EF4-FFF2-40B4-BE49-F238E27FC236}">
+                <a16:creationId xmlns:a16="http://schemas.microsoft.com/office/drawing/2014/main" id="{4E47EC4A-786A-4E4F-A2CA-707CF3043F63}"/>
+              </a:ext>
+            </a:extLst>
+          </p:cNvPr>
+          <p:cNvSpPr/>
+          <p:nvPr/>
+        </p:nvSpPr>
+        <p:spPr>
+          <a:xfrm>
+            <a:off x="4512580" y="3042094"/>
+            <a:ext cx="1992388" cy="830511"/>
+          </a:xfrm>
+          <a:prstGeom prst="roundRect">
+            <a:avLst/>
+          </a:prstGeom>
+          <a:pattFill prst="dkUpDiag">
+            <a:fgClr>
+              <a:schemeClr val="accent1">
+                <a:lumMod val="75000"/>
+              </a:schemeClr>
+            </a:fgClr>
+            <a:bgClr>
+              <a:schemeClr val="accent4">
+                <a:lumMod val="50000"/>
+              </a:schemeClr>
+            </a:bgClr>
+          </a:pattFill>
+          <a:ln w="38100">
+            <a:noFill/>
+          </a:ln>
+        </p:spPr>
+        <p:style>
+          <a:lnRef idx="2">
+            <a:schemeClr val="accent1">
+              <a:shade val="50000"/>
+            </a:schemeClr>
+          </a:lnRef>
+          <a:fillRef idx="1">
+            <a:schemeClr val="accent1"/>
+          </a:fillRef>
+          <a:effectRef idx="0">
+            <a:schemeClr val="accent1"/>
+          </a:effectRef>
+          <a:fontRef idx="minor">
+            <a:schemeClr val="lt1"/>
+          </a:fontRef>
+        </p:style>
+        <p:txBody>
+          <a:bodyPr rtlCol="0" anchor="ctr"/>
+          <a:lstStyle/>
+          <a:p>
+            <a:pPr algn="ctr"/>
+            <a:r>
+              <a:rPr lang="en-US" altLang="ko-KR" dirty="0"/>
+              <a:t>Generator</a:t>
+            </a:r>
+          </a:p>
+          <a:p>
+            <a:pPr algn="ctr"/>
+            <a:r>
+              <a:rPr lang="en-US" altLang="ko-KR" dirty="0"/>
+              <a:t>(</a:t>
+            </a:r>
+            <a:r>
+              <a:rPr lang="en-US" altLang="ko-KR" dirty="0" err="1"/>
+              <a:t>WaveNet</a:t>
+            </a:r>
+            <a:r>
+              <a:rPr lang="en-US" altLang="ko-KR" dirty="0"/>
+              <a:t>)</a:t>
+            </a:r>
+            <a:endParaRPr lang="ko-KR" altLang="en-US" dirty="0"/>
+          </a:p>
+        </p:txBody>
+      </p:sp>
+      <p:sp>
+        <p:nvSpPr>
+          <p:cNvPr id="14" name="사각형: 둥근 모서리 13">
+            <a:extLst>
+              <a:ext uri="{FF2B5EF4-FFF2-40B4-BE49-F238E27FC236}">
+                <a16:creationId xmlns:a16="http://schemas.microsoft.com/office/drawing/2014/main" id="{520E1970-71B4-490D-81E7-7D09C7474472}"/>
+              </a:ext>
+            </a:extLst>
+          </p:cNvPr>
+          <p:cNvSpPr/>
+          <p:nvPr/>
+        </p:nvSpPr>
+        <p:spPr>
+          <a:xfrm>
+            <a:off x="9925580" y="3042094"/>
+            <a:ext cx="1992388" cy="830511"/>
+          </a:xfrm>
+          <a:prstGeom prst="roundRect">
+            <a:avLst/>
+          </a:prstGeom>
+          <a:pattFill prst="dkUpDiag">
+            <a:fgClr>
+              <a:schemeClr val="accent1">
+                <a:lumMod val="75000"/>
+              </a:schemeClr>
+            </a:fgClr>
+            <a:bgClr>
+              <a:schemeClr val="accent4">
+                <a:lumMod val="50000"/>
+              </a:schemeClr>
+            </a:bgClr>
+          </a:pattFill>
+          <a:ln>
+            <a:noFill/>
+          </a:ln>
+        </p:spPr>
+        <p:style>
+          <a:lnRef idx="2">
+            <a:schemeClr val="accent1">
+              <a:shade val="50000"/>
+            </a:schemeClr>
+          </a:lnRef>
+          <a:fillRef idx="1">
+            <a:schemeClr val="accent1"/>
+          </a:fillRef>
+          <a:effectRef idx="0">
+            <a:schemeClr val="accent1"/>
+          </a:effectRef>
+          <a:fontRef idx="minor">
+            <a:schemeClr val="lt1"/>
+          </a:fontRef>
+        </p:style>
+        <p:txBody>
+          <a:bodyPr rtlCol="0" anchor="ctr"/>
+          <a:lstStyle/>
+          <a:p>
+            <a:pPr algn="ctr"/>
+            <a:r>
+              <a:rPr lang="en-US" altLang="ko-KR" dirty="0"/>
+              <a:t>Multi resolution</a:t>
+            </a:r>
+            <a:br>
+              <a:rPr lang="en-US" altLang="ko-KR" dirty="0"/>
+            </a:br>
+            <a:r>
+              <a:rPr lang="en-US" altLang="ko-KR" dirty="0"/>
+              <a:t>STFT loss</a:t>
+            </a:r>
+            <a:endParaRPr lang="ko-KR" altLang="en-US" dirty="0"/>
+          </a:p>
+        </p:txBody>
+      </p:sp>
+      <p:sp>
+        <p:nvSpPr>
+          <p:cNvPr id="16" name="사각형: 둥근 모서리 15">
+            <a:extLst>
+              <a:ext uri="{FF2B5EF4-FFF2-40B4-BE49-F238E27FC236}">
+                <a16:creationId xmlns:a16="http://schemas.microsoft.com/office/drawing/2014/main" id="{DC6D20D6-BDA9-4A05-B850-07DEE46336DC}"/>
+              </a:ext>
+            </a:extLst>
+          </p:cNvPr>
+          <p:cNvSpPr/>
+          <p:nvPr/>
+        </p:nvSpPr>
+        <p:spPr>
+          <a:xfrm>
+            <a:off x="9925580" y="1796327"/>
+            <a:ext cx="1992388" cy="830511"/>
+          </a:xfrm>
+          <a:prstGeom prst="roundRect">
+            <a:avLst/>
+          </a:prstGeom>
+          <a:pattFill prst="dkUpDiag">
+            <a:fgClr>
+              <a:schemeClr val="accent1">
+                <a:lumMod val="75000"/>
+              </a:schemeClr>
+            </a:fgClr>
+            <a:bgClr>
+              <a:schemeClr val="accent4">
+                <a:lumMod val="50000"/>
+              </a:schemeClr>
+            </a:bgClr>
+          </a:pattFill>
+          <a:ln>
+            <a:noFill/>
+          </a:ln>
+        </p:spPr>
+        <p:style>
+          <a:lnRef idx="2">
+            <a:schemeClr val="accent1">
+              <a:shade val="50000"/>
+            </a:schemeClr>
+          </a:lnRef>
+          <a:fillRef idx="1">
+            <a:schemeClr val="accent1"/>
+          </a:fillRef>
+          <a:effectRef idx="0">
+            <a:schemeClr val="accent1"/>
+          </a:effectRef>
+          <a:fontRef idx="minor">
+            <a:schemeClr val="lt1"/>
+          </a:fontRef>
+        </p:style>
+        <p:txBody>
+          <a:bodyPr rtlCol="0" anchor="ctr"/>
+          <a:lstStyle/>
+          <a:p>
+            <a:pPr algn="ctr"/>
+            <a:r>
+              <a:rPr lang="en-US" altLang="ko-KR" dirty="0"/>
+              <a:t>Discriminator</a:t>
+            </a:r>
+            <a:endParaRPr lang="ko-KR" altLang="en-US" dirty="0"/>
+          </a:p>
+        </p:txBody>
+      </p:sp>
+      <p:sp>
+        <p:nvSpPr>
+          <p:cNvPr id="17" name="사각형: 둥근 모서리 16">
+            <a:extLst>
+              <a:ext uri="{FF2B5EF4-FFF2-40B4-BE49-F238E27FC236}">
+                <a16:creationId xmlns:a16="http://schemas.microsoft.com/office/drawing/2014/main" id="{8CE71EBF-1477-4A24-8770-1E9C21CBFFE6}"/>
+              </a:ext>
+            </a:extLst>
+          </p:cNvPr>
+          <p:cNvSpPr/>
+          <p:nvPr/>
+        </p:nvSpPr>
+        <p:spPr>
+          <a:xfrm>
+            <a:off x="7219080" y="1796327"/>
+            <a:ext cx="1992388" cy="830511"/>
+          </a:xfrm>
+          <a:prstGeom prst="roundRect">
+            <a:avLst/>
+          </a:prstGeom>
+          <a:pattFill prst="dkUpDiag">
+            <a:fgClr>
+              <a:schemeClr val="accent1">
+                <a:lumMod val="75000"/>
+              </a:schemeClr>
+            </a:fgClr>
+            <a:bgClr>
+              <a:schemeClr val="accent4">
+                <a:lumMod val="50000"/>
+              </a:schemeClr>
+            </a:bgClr>
+          </a:pattFill>
+          <a:ln w="38100">
+            <a:noFill/>
+          </a:ln>
+        </p:spPr>
+        <p:style>
+          <a:lnRef idx="2">
+            <a:schemeClr val="accent1">
+              <a:shade val="50000"/>
+            </a:schemeClr>
+          </a:lnRef>
+          <a:fillRef idx="1">
+            <a:schemeClr val="accent1"/>
+          </a:fillRef>
+          <a:effectRef idx="0">
+            <a:schemeClr val="accent1"/>
+          </a:effectRef>
+          <a:fontRef idx="minor">
+            <a:schemeClr val="lt1"/>
+          </a:fontRef>
+        </p:style>
+        <p:txBody>
+          <a:bodyPr rtlCol="0" anchor="ctr"/>
+          <a:lstStyle/>
+          <a:p>
+            <a:pPr algn="ctr"/>
+            <a:r>
+              <a:rPr lang="en-US" altLang="ko-KR" dirty="0"/>
+              <a:t>Real signal</a:t>
+            </a:r>
+            <a:endParaRPr lang="ko-KR" altLang="en-US" dirty="0"/>
+          </a:p>
+        </p:txBody>
+      </p:sp>
+      <p:sp>
+        <p:nvSpPr>
+          <p:cNvPr id="18" name="사각형: 둥근 모서리 17">
+            <a:extLst>
+              <a:ext uri="{FF2B5EF4-FFF2-40B4-BE49-F238E27FC236}">
+                <a16:creationId xmlns:a16="http://schemas.microsoft.com/office/drawing/2014/main" id="{DD0C7471-F3FB-44E2-85B4-39CC7E0C8154}"/>
+              </a:ext>
+            </a:extLst>
+          </p:cNvPr>
+          <p:cNvSpPr/>
+          <p:nvPr/>
+        </p:nvSpPr>
+        <p:spPr>
+          <a:xfrm>
+            <a:off x="7219080" y="3042094"/>
+            <a:ext cx="1992388" cy="830511"/>
+          </a:xfrm>
+          <a:prstGeom prst="roundRect">
+            <a:avLst/>
+          </a:prstGeom>
+          <a:pattFill prst="dkUpDiag">
+            <a:fgClr>
+              <a:schemeClr val="accent1">
+                <a:lumMod val="75000"/>
+              </a:schemeClr>
+            </a:fgClr>
+            <a:bgClr>
+              <a:schemeClr val="accent4">
+                <a:lumMod val="50000"/>
+              </a:schemeClr>
+            </a:bgClr>
+          </a:pattFill>
+          <a:ln w="38100">
+            <a:noFill/>
+          </a:ln>
+        </p:spPr>
+        <p:style>
+          <a:lnRef idx="2">
+            <a:schemeClr val="accent1">
+              <a:shade val="50000"/>
+            </a:schemeClr>
+          </a:lnRef>
+          <a:fillRef idx="1">
+            <a:schemeClr val="accent1"/>
+          </a:fillRef>
+          <a:effectRef idx="0">
+            <a:schemeClr val="accent1"/>
+          </a:effectRef>
+          <a:fontRef idx="minor">
+            <a:schemeClr val="lt1"/>
+          </a:fontRef>
+        </p:style>
+        <p:txBody>
+          <a:bodyPr rtlCol="0" anchor="ctr"/>
+          <a:lstStyle/>
+          <a:p>
+            <a:pPr algn="ctr"/>
+            <a:r>
+              <a:rPr lang="en-US" altLang="ko-KR" dirty="0"/>
+              <a:t>Fake signal</a:t>
+            </a:r>
+            <a:endParaRPr lang="ko-KR" altLang="en-US" dirty="0"/>
+          </a:p>
+        </p:txBody>
+      </p:sp>
+      <p:cxnSp>
+        <p:nvCxnSpPr>
+          <p:cNvPr id="23" name="직선 화살표 연결선 22">
+            <a:extLst>
+              <a:ext uri="{FF2B5EF4-FFF2-40B4-BE49-F238E27FC236}">
+                <a16:creationId xmlns:a16="http://schemas.microsoft.com/office/drawing/2014/main" id="{664108B0-A804-44FF-B241-DDB9D9D35538}"/>
+              </a:ext>
+            </a:extLst>
+          </p:cNvPr>
+          <p:cNvCxnSpPr>
+            <a:cxnSpLocks/>
+            <a:stCxn id="9" idx="3"/>
+            <a:endCxn id="12" idx="1"/>
+          </p:cNvCxnSpPr>
+          <p:nvPr/>
+        </p:nvCxnSpPr>
+        <p:spPr>
+          <a:xfrm>
+            <a:off x="3798468" y="3457349"/>
+            <a:ext cx="714112" cy="1"/>
+          </a:xfrm>
+          <a:prstGeom prst="straightConnector1">
+            <a:avLst/>
+          </a:prstGeom>
+          <a:ln w="38100">
+            <a:tailEnd type="triangle"/>
+          </a:ln>
+        </p:spPr>
+        <p:style>
+          <a:lnRef idx="1">
+            <a:schemeClr val="accent1"/>
+          </a:lnRef>
+          <a:fillRef idx="0">
+            <a:schemeClr val="accent1"/>
+          </a:fillRef>
+          <a:effectRef idx="0">
+            <a:schemeClr val="accent1"/>
+          </a:effectRef>
+          <a:fontRef idx="minor">
+            <a:schemeClr val="tx1"/>
+          </a:fontRef>
+        </p:style>
+      </p:cxnSp>
+      <p:cxnSp>
+        <p:nvCxnSpPr>
+          <p:cNvPr id="25" name="직선 화살표 연결선 24">
+            <a:extLst>
+              <a:ext uri="{FF2B5EF4-FFF2-40B4-BE49-F238E27FC236}">
+                <a16:creationId xmlns:a16="http://schemas.microsoft.com/office/drawing/2014/main" id="{7AC39C46-CCAA-4A3F-A9E6-F6D483BB2AE7}"/>
+              </a:ext>
+            </a:extLst>
+          </p:cNvPr>
+          <p:cNvCxnSpPr>
+            <a:cxnSpLocks/>
+            <a:stCxn id="12" idx="3"/>
+            <a:endCxn id="18" idx="1"/>
+          </p:cNvCxnSpPr>
+          <p:nvPr/>
+        </p:nvCxnSpPr>
+        <p:spPr>
+          <a:xfrm>
+            <a:off x="6504968" y="3457350"/>
+            <a:ext cx="714112" cy="0"/>
+          </a:xfrm>
+          <a:prstGeom prst="straightConnector1">
+            <a:avLst/>
+          </a:prstGeom>
+          <a:ln w="38100">
+            <a:tailEnd type="triangle"/>
+          </a:ln>
+        </p:spPr>
+        <p:style>
+          <a:lnRef idx="1">
+            <a:schemeClr val="accent1"/>
+          </a:lnRef>
+          <a:fillRef idx="0">
+            <a:schemeClr val="accent1"/>
+          </a:fillRef>
+          <a:effectRef idx="0">
+            <a:schemeClr val="accent1"/>
+          </a:effectRef>
+          <a:fontRef idx="minor">
+            <a:schemeClr val="tx1"/>
+          </a:fontRef>
+        </p:style>
+      </p:cxnSp>
+      <p:cxnSp>
+        <p:nvCxnSpPr>
+          <p:cNvPr id="28" name="직선 화살표 연결선 27">
+            <a:extLst>
+              <a:ext uri="{FF2B5EF4-FFF2-40B4-BE49-F238E27FC236}">
+                <a16:creationId xmlns:a16="http://schemas.microsoft.com/office/drawing/2014/main" id="{380C9B24-4833-419E-8152-5B555B0CFEFF}"/>
+              </a:ext>
+            </a:extLst>
+          </p:cNvPr>
+          <p:cNvCxnSpPr>
+            <a:cxnSpLocks/>
+            <a:stCxn id="18" idx="3"/>
+            <a:endCxn id="14" idx="1"/>
+          </p:cNvCxnSpPr>
+          <p:nvPr/>
+        </p:nvCxnSpPr>
+        <p:spPr>
+          <a:xfrm>
+            <a:off x="9211468" y="3457350"/>
+            <a:ext cx="714112" cy="0"/>
+          </a:xfrm>
+          <a:prstGeom prst="straightConnector1">
+            <a:avLst/>
+          </a:prstGeom>
+          <a:ln w="38100">
+            <a:tailEnd type="triangle"/>
+          </a:ln>
+        </p:spPr>
+        <p:style>
+          <a:lnRef idx="1">
+            <a:schemeClr val="accent1"/>
+          </a:lnRef>
+          <a:fillRef idx="0">
+            <a:schemeClr val="accent1"/>
+          </a:fillRef>
+          <a:effectRef idx="0">
+            <a:schemeClr val="accent1"/>
+          </a:effectRef>
+          <a:fontRef idx="minor">
+            <a:schemeClr val="tx1"/>
+          </a:fontRef>
+        </p:style>
+      </p:cxnSp>
+      <p:cxnSp>
+        <p:nvCxnSpPr>
+          <p:cNvPr id="32" name="연결선: 꺾임 31">
+            <a:extLst>
+              <a:ext uri="{FF2B5EF4-FFF2-40B4-BE49-F238E27FC236}">
+                <a16:creationId xmlns:a16="http://schemas.microsoft.com/office/drawing/2014/main" id="{FE277635-0F1B-44CA-96AB-13132A2AAFE3}"/>
+              </a:ext>
+            </a:extLst>
+          </p:cNvPr>
+          <p:cNvCxnSpPr>
+            <a:cxnSpLocks/>
+            <a:stCxn id="11" idx="3"/>
+            <a:endCxn id="12" idx="1"/>
+          </p:cNvCxnSpPr>
+          <p:nvPr/>
+        </p:nvCxnSpPr>
+        <p:spPr>
+          <a:xfrm>
+            <a:off x="3798468" y="2211582"/>
+            <a:ext cx="714112" cy="1245768"/>
+          </a:xfrm>
+          <a:prstGeom prst="bentConnector3">
+            <a:avLst>
+              <a:gd name="adj1" fmla="val 50000"/>
+            </a:avLst>
+          </a:prstGeom>
+          <a:ln w="38100">
+            <a:tailEnd type="triangle"/>
+          </a:ln>
+        </p:spPr>
+        <p:style>
+          <a:lnRef idx="1">
+            <a:schemeClr val="accent1"/>
+          </a:lnRef>
+          <a:fillRef idx="0">
+            <a:schemeClr val="accent1"/>
+          </a:fillRef>
+          <a:effectRef idx="0">
+            <a:schemeClr val="accent1"/>
+          </a:effectRef>
+          <a:fontRef idx="minor">
+            <a:schemeClr val="tx1"/>
+          </a:fontRef>
+        </p:style>
+      </p:cxnSp>
+      <p:cxnSp>
+        <p:nvCxnSpPr>
+          <p:cNvPr id="46" name="직선 화살표 연결선 45">
+            <a:extLst>
+              <a:ext uri="{FF2B5EF4-FFF2-40B4-BE49-F238E27FC236}">
+                <a16:creationId xmlns:a16="http://schemas.microsoft.com/office/drawing/2014/main" id="{2C86D5BB-341F-4FCF-BA10-C95D052D11CE}"/>
+              </a:ext>
+            </a:extLst>
+          </p:cNvPr>
+          <p:cNvCxnSpPr>
+            <a:cxnSpLocks/>
+            <a:stCxn id="17" idx="3"/>
+            <a:endCxn id="16" idx="1"/>
+          </p:cNvCxnSpPr>
+          <p:nvPr/>
+        </p:nvCxnSpPr>
+        <p:spPr>
+          <a:xfrm>
+            <a:off x="9211468" y="2211583"/>
+            <a:ext cx="714112" cy="0"/>
+          </a:xfrm>
+          <a:prstGeom prst="straightConnector1">
+            <a:avLst/>
+          </a:prstGeom>
+          <a:ln w="38100">
+            <a:solidFill>
+              <a:srgbClr val="00B0F0"/>
+            </a:solidFill>
+            <a:tailEnd type="triangle"/>
+          </a:ln>
+        </p:spPr>
+        <p:style>
+          <a:lnRef idx="1">
+            <a:schemeClr val="accent1"/>
+          </a:lnRef>
+          <a:fillRef idx="0">
+            <a:schemeClr val="accent1"/>
+          </a:fillRef>
+          <a:effectRef idx="0">
+            <a:schemeClr val="accent1"/>
+          </a:effectRef>
+          <a:fontRef idx="minor">
+            <a:schemeClr val="tx1"/>
+          </a:fontRef>
+        </p:style>
+      </p:cxnSp>
+      <p:cxnSp>
+        <p:nvCxnSpPr>
+          <p:cNvPr id="62" name="연결선: 꺾임 61">
+            <a:extLst>
+              <a:ext uri="{FF2B5EF4-FFF2-40B4-BE49-F238E27FC236}">
+                <a16:creationId xmlns:a16="http://schemas.microsoft.com/office/drawing/2014/main" id="{F9076F4D-BF42-425C-B39E-1C507228A0E6}"/>
+              </a:ext>
+            </a:extLst>
+          </p:cNvPr>
+          <p:cNvCxnSpPr>
+            <a:cxnSpLocks/>
+            <a:stCxn id="75" idx="3"/>
+            <a:endCxn id="16" idx="1"/>
+          </p:cNvCxnSpPr>
+          <p:nvPr/>
+        </p:nvCxnSpPr>
+        <p:spPr>
+          <a:xfrm flipV="1">
+            <a:off x="9211468" y="2211583"/>
+            <a:ext cx="714112" cy="1038140"/>
+          </a:xfrm>
+          <a:prstGeom prst="bentConnector3">
+            <a:avLst>
+              <a:gd name="adj1" fmla="val 55335"/>
+            </a:avLst>
+          </a:prstGeom>
+          <a:ln w="38100">
+            <a:solidFill>
+              <a:srgbClr val="00B0F0"/>
+            </a:solidFill>
+            <a:tailEnd type="triangle"/>
+          </a:ln>
+        </p:spPr>
+        <p:style>
+          <a:lnRef idx="1">
+            <a:schemeClr val="accent1"/>
+          </a:lnRef>
+          <a:fillRef idx="0">
+            <a:schemeClr val="accent1"/>
+          </a:fillRef>
+          <a:effectRef idx="0">
+            <a:schemeClr val="accent1"/>
+          </a:effectRef>
+          <a:fontRef idx="minor">
+            <a:schemeClr val="tx1"/>
+          </a:fontRef>
+        </p:style>
+      </p:cxnSp>
+      <p:cxnSp>
+        <p:nvCxnSpPr>
+          <p:cNvPr id="65" name="연결선: 꺾임 64">
+            <a:extLst>
+              <a:ext uri="{FF2B5EF4-FFF2-40B4-BE49-F238E27FC236}">
+                <a16:creationId xmlns:a16="http://schemas.microsoft.com/office/drawing/2014/main" id="{6B5E1815-EE6E-4784-8388-940F9C086947}"/>
+              </a:ext>
+            </a:extLst>
+          </p:cNvPr>
+          <p:cNvCxnSpPr>
+            <a:cxnSpLocks/>
+            <a:stCxn id="71" idx="3"/>
+            <a:endCxn id="14" idx="1"/>
+          </p:cNvCxnSpPr>
+          <p:nvPr/>
+        </p:nvCxnSpPr>
+        <p:spPr>
+          <a:xfrm>
+            <a:off x="9211468" y="2419211"/>
+            <a:ext cx="714112" cy="1038139"/>
+          </a:xfrm>
+          <a:prstGeom prst="bentConnector3">
+            <a:avLst>
+              <a:gd name="adj1" fmla="val 43998"/>
+            </a:avLst>
+          </a:prstGeom>
+          <a:ln w="38100">
+            <a:tailEnd type="triangle"/>
+          </a:ln>
+        </p:spPr>
+        <p:style>
+          <a:lnRef idx="1">
+            <a:schemeClr val="accent1"/>
+          </a:lnRef>
+          <a:fillRef idx="0">
+            <a:schemeClr val="accent1"/>
+          </a:fillRef>
+          <a:effectRef idx="0">
+            <a:schemeClr val="accent1"/>
+          </a:effectRef>
+          <a:fontRef idx="minor">
+            <a:schemeClr val="tx1"/>
+          </a:fontRef>
+        </p:style>
+      </p:cxnSp>
+      <p:sp>
+        <p:nvSpPr>
+          <p:cNvPr id="70" name="사각형: 둥근 모서리 69">
+            <a:extLst>
+              <a:ext uri="{FF2B5EF4-FFF2-40B4-BE49-F238E27FC236}">
+                <a16:creationId xmlns:a16="http://schemas.microsoft.com/office/drawing/2014/main" id="{E63FEAC8-7197-4C01-A53C-1CC9FC55DA94}"/>
+              </a:ext>
+            </a:extLst>
+          </p:cNvPr>
+          <p:cNvSpPr/>
+          <p:nvPr/>
+        </p:nvSpPr>
+        <p:spPr>
+          <a:xfrm>
+            <a:off x="9103468" y="1949955"/>
+            <a:ext cx="108000" cy="108000"/>
+          </a:xfrm>
+          <a:prstGeom prst="roundRect">
+            <a:avLst/>
+          </a:prstGeom>
+          <a:pattFill prst="dkUpDiag">
+            <a:fgClr>
+              <a:schemeClr val="accent1">
+                <a:lumMod val="75000"/>
+              </a:schemeClr>
+            </a:fgClr>
+            <a:bgClr>
+              <a:schemeClr val="accent4">
+                <a:lumMod val="50000"/>
+              </a:schemeClr>
+            </a:bgClr>
+          </a:pattFill>
+          <a:ln w="38100">
+            <a:noFill/>
+          </a:ln>
+        </p:spPr>
+        <p:style>
+          <a:lnRef idx="2">
+            <a:schemeClr val="accent1">
+              <a:shade val="50000"/>
+            </a:schemeClr>
+          </a:lnRef>
+          <a:fillRef idx="1">
+            <a:schemeClr val="accent1"/>
+          </a:fillRef>
+          <a:effectRef idx="0">
+            <a:schemeClr val="accent1"/>
+          </a:effectRef>
+          <a:fontRef idx="minor">
+            <a:schemeClr val="lt1"/>
+          </a:fontRef>
+        </p:style>
+        <p:txBody>
+          <a:bodyPr rtlCol="0" anchor="ctr"/>
+          <a:lstStyle/>
+          <a:p>
+            <a:pPr algn="ctr"/>
+            <a:endParaRPr lang="ko-KR" altLang="en-US" dirty="0"/>
+          </a:p>
+        </p:txBody>
+      </p:sp>
+      <p:sp>
+        <p:nvSpPr>
+          <p:cNvPr id="71" name="사각형: 둥근 모서리 70">
+            <a:extLst>
+              <a:ext uri="{FF2B5EF4-FFF2-40B4-BE49-F238E27FC236}">
+                <a16:creationId xmlns:a16="http://schemas.microsoft.com/office/drawing/2014/main" id="{5FF3BC38-FA1E-4FC1-B040-843D24CCF906}"/>
+              </a:ext>
+            </a:extLst>
+          </p:cNvPr>
+          <p:cNvSpPr/>
+          <p:nvPr/>
+        </p:nvSpPr>
+        <p:spPr>
+          <a:xfrm>
+            <a:off x="9103468" y="2365211"/>
+            <a:ext cx="108000" cy="108000"/>
+          </a:xfrm>
+          <a:prstGeom prst="roundRect">
+            <a:avLst/>
+          </a:prstGeom>
+          <a:pattFill prst="dkUpDiag">
+            <a:fgClr>
+              <a:schemeClr val="accent1">
+                <a:lumMod val="75000"/>
+              </a:schemeClr>
+            </a:fgClr>
+            <a:bgClr>
+              <a:schemeClr val="accent4">
+                <a:lumMod val="50000"/>
+              </a:schemeClr>
+            </a:bgClr>
+          </a:pattFill>
+          <a:ln w="38100">
+            <a:noFill/>
+          </a:ln>
+        </p:spPr>
+        <p:style>
+          <a:lnRef idx="2">
+            <a:schemeClr val="accent1">
+              <a:shade val="50000"/>
+            </a:schemeClr>
+          </a:lnRef>
+          <a:fillRef idx="1">
+            <a:schemeClr val="accent1"/>
+          </a:fillRef>
+          <a:effectRef idx="0">
+            <a:schemeClr val="accent1"/>
+          </a:effectRef>
+          <a:fontRef idx="minor">
+            <a:schemeClr val="lt1"/>
+          </a:fontRef>
+        </p:style>
+        <p:txBody>
+          <a:bodyPr rtlCol="0" anchor="ctr"/>
+          <a:lstStyle/>
+          <a:p>
+            <a:pPr algn="ctr"/>
+            <a:endParaRPr lang="ko-KR" altLang="en-US" dirty="0"/>
+          </a:p>
+        </p:txBody>
+      </p:sp>
+      <p:sp>
+        <p:nvSpPr>
+          <p:cNvPr id="75" name="사각형: 둥근 모서리 74">
+            <a:extLst>
+              <a:ext uri="{FF2B5EF4-FFF2-40B4-BE49-F238E27FC236}">
+                <a16:creationId xmlns:a16="http://schemas.microsoft.com/office/drawing/2014/main" id="{285B26B4-1AE7-4EC4-B98D-C07EA94C5599}"/>
+              </a:ext>
+            </a:extLst>
+          </p:cNvPr>
+          <p:cNvSpPr/>
+          <p:nvPr/>
+        </p:nvSpPr>
+        <p:spPr>
+          <a:xfrm>
+            <a:off x="9103468" y="3195723"/>
+            <a:ext cx="108000" cy="108000"/>
+          </a:xfrm>
+          <a:prstGeom prst="roundRect">
+            <a:avLst/>
+          </a:prstGeom>
+          <a:pattFill prst="dkUpDiag">
+            <a:fgClr>
+              <a:schemeClr val="accent1">
+                <a:lumMod val="75000"/>
+              </a:schemeClr>
+            </a:fgClr>
+            <a:bgClr>
+              <a:schemeClr val="accent4">
+                <a:lumMod val="50000"/>
+              </a:schemeClr>
+            </a:bgClr>
+          </a:pattFill>
+          <a:ln w="38100">
+            <a:noFill/>
+          </a:ln>
+        </p:spPr>
+        <p:style>
+          <a:lnRef idx="2">
+            <a:schemeClr val="accent1">
+              <a:shade val="50000"/>
+            </a:schemeClr>
+          </a:lnRef>
+          <a:fillRef idx="1">
+            <a:schemeClr val="accent1"/>
+          </a:fillRef>
+          <a:effectRef idx="0">
+            <a:schemeClr val="accent1"/>
+          </a:effectRef>
+          <a:fontRef idx="minor">
+            <a:schemeClr val="lt1"/>
+          </a:fontRef>
+        </p:style>
+        <p:txBody>
+          <a:bodyPr rtlCol="0" anchor="ctr"/>
+          <a:lstStyle/>
+          <a:p>
+            <a:pPr algn="ctr"/>
+            <a:endParaRPr lang="ko-KR" altLang="en-US" dirty="0"/>
+          </a:p>
+        </p:txBody>
+      </p:sp>
+      <p:sp>
+        <p:nvSpPr>
+          <p:cNvPr id="76" name="사각형: 둥근 모서리 75">
+            <a:extLst>
+              <a:ext uri="{FF2B5EF4-FFF2-40B4-BE49-F238E27FC236}">
+                <a16:creationId xmlns:a16="http://schemas.microsoft.com/office/drawing/2014/main" id="{D1302E1E-0E79-4C5D-AD8F-61CDDCCE8237}"/>
+              </a:ext>
+            </a:extLst>
+          </p:cNvPr>
+          <p:cNvSpPr/>
+          <p:nvPr/>
+        </p:nvSpPr>
+        <p:spPr>
+          <a:xfrm>
+            <a:off x="9103468" y="3610979"/>
+            <a:ext cx="108000" cy="108000"/>
+          </a:xfrm>
+          <a:prstGeom prst="roundRect">
+            <a:avLst/>
+          </a:prstGeom>
+          <a:pattFill prst="dkUpDiag">
+            <a:fgClr>
+              <a:schemeClr val="accent1">
+                <a:lumMod val="75000"/>
+              </a:schemeClr>
+            </a:fgClr>
+            <a:bgClr>
+              <a:schemeClr val="accent4">
+                <a:lumMod val="50000"/>
+              </a:schemeClr>
+            </a:bgClr>
+          </a:pattFill>
+          <a:ln w="38100">
+            <a:noFill/>
+          </a:ln>
+        </p:spPr>
+        <p:style>
+          <a:lnRef idx="2">
+            <a:schemeClr val="accent1">
+              <a:shade val="50000"/>
+            </a:schemeClr>
+          </a:lnRef>
+          <a:fillRef idx="1">
+            <a:schemeClr val="accent1"/>
+          </a:fillRef>
+          <a:effectRef idx="0">
+            <a:schemeClr val="accent1"/>
+          </a:effectRef>
+          <a:fontRef idx="minor">
+            <a:schemeClr val="lt1"/>
+          </a:fontRef>
+        </p:style>
+        <p:txBody>
+          <a:bodyPr rtlCol="0" anchor="ctr"/>
+          <a:lstStyle/>
+          <a:p>
+            <a:pPr algn="ctr"/>
+            <a:endParaRPr lang="ko-KR" altLang="en-US" dirty="0"/>
+          </a:p>
+        </p:txBody>
+      </p:sp>
+      <p:sp>
+        <p:nvSpPr>
+          <p:cNvPr id="24" name="사각형: 둥근 모서리 23">
+            <a:extLst>
+              <a:ext uri="{FF2B5EF4-FFF2-40B4-BE49-F238E27FC236}">
+                <a16:creationId xmlns:a16="http://schemas.microsoft.com/office/drawing/2014/main" id="{069DE327-A2D5-4BA8-B8F9-EA40268AC05E}"/>
+              </a:ext>
+            </a:extLst>
+          </p:cNvPr>
+          <p:cNvSpPr/>
+          <p:nvPr/>
+        </p:nvSpPr>
+        <p:spPr>
+          <a:xfrm>
+            <a:off x="-900420" y="3042093"/>
+            <a:ext cx="1992388" cy="830511"/>
+          </a:xfrm>
+          <a:prstGeom prst="roundRect">
+            <a:avLst/>
+          </a:prstGeom>
+          <a:pattFill prst="dkUpDiag">
+            <a:fgClr>
+              <a:schemeClr val="accent1">
+                <a:lumMod val="75000"/>
+              </a:schemeClr>
+            </a:fgClr>
+            <a:bgClr>
+              <a:schemeClr val="accent4">
+                <a:lumMod val="50000"/>
+              </a:schemeClr>
+            </a:bgClr>
+          </a:pattFill>
+          <a:ln>
+            <a:noFill/>
+          </a:ln>
+        </p:spPr>
+        <p:style>
+          <a:lnRef idx="2">
+            <a:schemeClr val="accent1">
+              <a:shade val="50000"/>
+            </a:schemeClr>
+          </a:lnRef>
+          <a:fillRef idx="1">
+            <a:schemeClr val="accent1"/>
+          </a:fillRef>
+          <a:effectRef idx="0">
+            <a:schemeClr val="accent1"/>
+          </a:effectRef>
+          <a:fontRef idx="minor">
+            <a:schemeClr val="lt1"/>
+          </a:fontRef>
+        </p:style>
+        <p:txBody>
+          <a:bodyPr rtlCol="0" anchor="ctr"/>
+          <a:lstStyle/>
+          <a:p>
+            <a:pPr algn="ctr"/>
+            <a:r>
+              <a:rPr lang="en-US" altLang="ko-KR" dirty="0"/>
+              <a:t>Signal</a:t>
+            </a:r>
+            <a:endParaRPr lang="ko-KR" altLang="en-US" dirty="0"/>
+          </a:p>
+        </p:txBody>
+      </p:sp>
+      <p:cxnSp>
+        <p:nvCxnSpPr>
+          <p:cNvPr id="26" name="직선 화살표 연결선 25">
+            <a:extLst>
+              <a:ext uri="{FF2B5EF4-FFF2-40B4-BE49-F238E27FC236}">
+                <a16:creationId xmlns:a16="http://schemas.microsoft.com/office/drawing/2014/main" id="{5994F5D5-7855-4AF8-B07D-60990840FC79}"/>
+              </a:ext>
+            </a:extLst>
+          </p:cNvPr>
+          <p:cNvCxnSpPr>
+            <a:cxnSpLocks/>
+            <a:stCxn id="24" idx="3"/>
+            <a:endCxn id="9" idx="1"/>
+          </p:cNvCxnSpPr>
+          <p:nvPr/>
+        </p:nvCxnSpPr>
+        <p:spPr>
+          <a:xfrm>
+            <a:off x="1091968" y="3457349"/>
+            <a:ext cx="714112" cy="0"/>
+          </a:xfrm>
+          <a:prstGeom prst="straightConnector1">
+            <a:avLst/>
+          </a:prstGeom>
+          <a:ln w="38100">
+            <a:tailEnd type="triangle"/>
+          </a:ln>
+        </p:spPr>
+        <p:style>
+          <a:lnRef idx="1">
+            <a:schemeClr val="accent1"/>
+          </a:lnRef>
+          <a:fillRef idx="0">
+            <a:schemeClr val="accent1"/>
+          </a:fillRef>
+          <a:effectRef idx="0">
+            <a:schemeClr val="accent1"/>
+          </a:effectRef>
+          <a:fontRef idx="minor">
+            <a:schemeClr val="tx1"/>
+          </a:fontRef>
+        </p:style>
+      </p:cxnSp>
+      <p:sp>
+        <p:nvSpPr>
+          <p:cNvPr id="29" name="사각형: 둥근 모서리 28">
+            <a:extLst>
+              <a:ext uri="{FF2B5EF4-FFF2-40B4-BE49-F238E27FC236}">
+                <a16:creationId xmlns:a16="http://schemas.microsoft.com/office/drawing/2014/main" id="{6A4C553E-6F98-4B67-B353-2834BFD3038C}"/>
+              </a:ext>
+            </a:extLst>
+          </p:cNvPr>
+          <p:cNvSpPr/>
+          <p:nvPr/>
+        </p:nvSpPr>
+        <p:spPr>
+          <a:xfrm>
+            <a:off x="4512580" y="4287860"/>
+            <a:ext cx="1992388" cy="830511"/>
+          </a:xfrm>
+          <a:prstGeom prst="roundRect">
+            <a:avLst/>
+          </a:prstGeom>
+          <a:pattFill prst="dkUpDiag">
+            <a:fgClr>
+              <a:schemeClr val="accent1">
+                <a:lumMod val="75000"/>
+              </a:schemeClr>
+            </a:fgClr>
+            <a:bgClr>
+              <a:schemeClr val="accent4">
+                <a:lumMod val="50000"/>
+              </a:schemeClr>
+            </a:bgClr>
+          </a:pattFill>
+          <a:ln>
+            <a:noFill/>
+          </a:ln>
+        </p:spPr>
+        <p:style>
+          <a:lnRef idx="2">
+            <a:schemeClr val="accent1">
+              <a:shade val="50000"/>
+            </a:schemeClr>
+          </a:lnRef>
+          <a:fillRef idx="1">
+            <a:schemeClr val="accent1"/>
+          </a:fillRef>
+          <a:effectRef idx="0">
+            <a:schemeClr val="accent1"/>
+          </a:effectRef>
+          <a:fontRef idx="minor">
+            <a:schemeClr val="lt1"/>
+          </a:fontRef>
+        </p:style>
+        <p:txBody>
+          <a:bodyPr rtlCol="0" anchor="ctr"/>
+          <a:lstStyle/>
+          <a:p>
+            <a:pPr algn="ctr"/>
+            <a:r>
+              <a:rPr lang="en-US" altLang="ko-KR" dirty="0"/>
+              <a:t>Pitch regression Network</a:t>
+            </a:r>
+            <a:endParaRPr lang="ko-KR" altLang="en-US" dirty="0"/>
+          </a:p>
+        </p:txBody>
+      </p:sp>
+      <p:sp>
+        <p:nvSpPr>
+          <p:cNvPr id="30" name="사각형: 둥근 모서리 29">
+            <a:extLst>
+              <a:ext uri="{FF2B5EF4-FFF2-40B4-BE49-F238E27FC236}">
+                <a16:creationId xmlns:a16="http://schemas.microsoft.com/office/drawing/2014/main" id="{1F64B4EB-F143-458D-BEF6-F426B7ECCFB7}"/>
+              </a:ext>
+            </a:extLst>
+          </p:cNvPr>
+          <p:cNvSpPr/>
+          <p:nvPr/>
+        </p:nvSpPr>
+        <p:spPr>
+          <a:xfrm>
+            <a:off x="4512580" y="5533626"/>
+            <a:ext cx="1992388" cy="830511"/>
+          </a:xfrm>
+          <a:prstGeom prst="roundRect">
+            <a:avLst/>
+          </a:prstGeom>
+          <a:pattFill prst="dkUpDiag">
+            <a:fgClr>
+              <a:schemeClr val="accent1">
+                <a:lumMod val="75000"/>
+              </a:schemeClr>
+            </a:fgClr>
+            <a:bgClr>
+              <a:schemeClr val="accent4">
+                <a:lumMod val="50000"/>
+              </a:schemeClr>
+            </a:bgClr>
+          </a:pattFill>
+          <a:ln>
+            <a:noFill/>
+          </a:ln>
+        </p:spPr>
+        <p:style>
+          <a:lnRef idx="2">
+            <a:schemeClr val="accent1">
+              <a:shade val="50000"/>
+            </a:schemeClr>
+          </a:lnRef>
+          <a:fillRef idx="1">
+            <a:schemeClr val="accent1"/>
+          </a:fillRef>
+          <a:effectRef idx="0">
+            <a:schemeClr val="accent1"/>
+          </a:effectRef>
+          <a:fontRef idx="minor">
+            <a:schemeClr val="lt1"/>
+          </a:fontRef>
+        </p:style>
+        <p:txBody>
+          <a:bodyPr rtlCol="0" anchor="ctr"/>
+          <a:lstStyle/>
+          <a:p>
+            <a:pPr algn="ctr"/>
+            <a:r>
+              <a:rPr lang="en-US" altLang="ko-KR" dirty="0"/>
+              <a:t>Singer classification Network</a:t>
+            </a:r>
+            <a:endParaRPr lang="ko-KR" altLang="en-US" dirty="0"/>
+          </a:p>
+        </p:txBody>
+      </p:sp>
+      <p:cxnSp>
+        <p:nvCxnSpPr>
+          <p:cNvPr id="31" name="연결선: 꺾임 30">
+            <a:extLst>
+              <a:ext uri="{FF2B5EF4-FFF2-40B4-BE49-F238E27FC236}">
+                <a16:creationId xmlns:a16="http://schemas.microsoft.com/office/drawing/2014/main" id="{587653AD-127D-4ADD-9BD2-B0A06B1C8533}"/>
+              </a:ext>
+            </a:extLst>
+          </p:cNvPr>
+          <p:cNvCxnSpPr>
+            <a:cxnSpLocks/>
+            <a:stCxn id="9" idx="2"/>
+            <a:endCxn id="29" idx="1"/>
+          </p:cNvCxnSpPr>
+          <p:nvPr/>
+        </p:nvCxnSpPr>
+        <p:spPr>
+          <a:xfrm rot="16200000" flipH="1">
+            <a:off x="3242171" y="3432707"/>
+            <a:ext cx="830512" cy="1710306"/>
+          </a:xfrm>
+          <a:prstGeom prst="bentConnector2">
+            <a:avLst/>
+          </a:prstGeom>
+          <a:ln w="38100">
+            <a:solidFill>
+              <a:srgbClr val="00B0F0"/>
+            </a:solidFill>
+            <a:tailEnd type="triangle"/>
+          </a:ln>
+        </p:spPr>
+        <p:style>
+          <a:lnRef idx="1">
+            <a:schemeClr val="accent1"/>
+          </a:lnRef>
+          <a:fillRef idx="0">
+            <a:schemeClr val="accent1"/>
+          </a:fillRef>
+          <a:effectRef idx="0">
+            <a:schemeClr val="accent1"/>
+          </a:effectRef>
+          <a:fontRef idx="minor">
+            <a:schemeClr val="tx1"/>
+          </a:fontRef>
+        </p:style>
+      </p:cxnSp>
+      <p:cxnSp>
+        <p:nvCxnSpPr>
+          <p:cNvPr id="34" name="연결선: 꺾임 33">
+            <a:extLst>
+              <a:ext uri="{FF2B5EF4-FFF2-40B4-BE49-F238E27FC236}">
+                <a16:creationId xmlns:a16="http://schemas.microsoft.com/office/drawing/2014/main" id="{3A4A1A2B-39BE-4ED5-8804-82D89DA610F9}"/>
+              </a:ext>
+            </a:extLst>
+          </p:cNvPr>
+          <p:cNvCxnSpPr>
+            <a:cxnSpLocks/>
+            <a:stCxn id="9" idx="2"/>
+            <a:endCxn id="30" idx="1"/>
+          </p:cNvCxnSpPr>
+          <p:nvPr/>
+        </p:nvCxnSpPr>
+        <p:spPr>
+          <a:xfrm rot="16200000" flipH="1">
+            <a:off x="2619288" y="4055590"/>
+            <a:ext cx="2076278" cy="1710306"/>
+          </a:xfrm>
+          <a:prstGeom prst="bentConnector2">
+            <a:avLst/>
+          </a:prstGeom>
+          <a:ln w="38100">
+            <a:solidFill>
+              <a:srgbClr val="00B0F0"/>
+            </a:solidFill>
+            <a:tailEnd type="triangle"/>
+          </a:ln>
+        </p:spPr>
+        <p:style>
+          <a:lnRef idx="1">
+            <a:schemeClr val="accent1"/>
+          </a:lnRef>
+          <a:fillRef idx="0">
+            <a:schemeClr val="accent1"/>
+          </a:fillRef>
+          <a:effectRef idx="0">
+            <a:schemeClr val="accent1"/>
+          </a:effectRef>
+          <a:fontRef idx="minor">
+            <a:schemeClr val="tx1"/>
+          </a:fontRef>
+        </p:style>
+      </p:cxnSp>
+    </p:spTree>
+    <p:extLst>
+      <p:ext uri="{BB962C8B-B14F-4D97-AF65-F5344CB8AC3E}">
+        <p14:creationId xmlns:p14="http://schemas.microsoft.com/office/powerpoint/2010/main" val="3349552207"/>
+      </p:ext>
+    </p:extLst>
+  </p:cSld>
+  <p:clrMapOvr>
+    <a:masterClrMapping/>
+  </p:clrMapOvr>
+</p:sld>
+</file>
+
 <file path=ppt/theme/theme1.xml><?xml version="1.0" encoding="utf-8"?>
 <a:theme xmlns:a="http://schemas.openxmlformats.org/drawingml/2006/main" name="메디슨">
   <a:themeElements>

--- a/Figures/Structure.pptx
+++ b/Figures/Structure.pptx
@@ -331,7 +331,7 @@
           <a:p>
             <a:fld id="{EFFCBDAD-9962-41C1-AA5B-39C71D40D4AA}" type="datetimeFigureOut">
               <a:rPr lang="ko-KR" altLang="en-US" smtClean="0"/>
-              <a:t>2020-06-04</a:t>
+              <a:t>2020-06-14</a:t>
             </a:fld>
             <a:endParaRPr lang="ko-KR" altLang="en-US"/>
           </a:p>
@@ -666,7 +666,7 @@
           <a:p>
             <a:fld id="{EFFCBDAD-9962-41C1-AA5B-39C71D40D4AA}" type="datetimeFigureOut">
               <a:rPr lang="ko-KR" altLang="en-US" smtClean="0"/>
-              <a:t>2020-06-04</a:t>
+              <a:t>2020-06-14</a:t>
             </a:fld>
             <a:endParaRPr lang="ko-KR" altLang="en-US"/>
           </a:p>
@@ -969,7 +969,7 @@
           <a:p>
             <a:fld id="{EFFCBDAD-9962-41C1-AA5B-39C71D40D4AA}" type="datetimeFigureOut">
               <a:rPr lang="ko-KR" altLang="en-US" smtClean="0"/>
-              <a:t>2020-06-04</a:t>
+              <a:t>2020-06-14</a:t>
             </a:fld>
             <a:endParaRPr lang="ko-KR" altLang="en-US"/>
           </a:p>
@@ -1217,7 +1217,7 @@
           <a:p>
             <a:fld id="{EFFCBDAD-9962-41C1-AA5B-39C71D40D4AA}" type="datetimeFigureOut">
               <a:rPr lang="ko-KR" altLang="en-US" smtClean="0"/>
-              <a:t>2020-06-04</a:t>
+              <a:t>2020-06-14</a:t>
             </a:fld>
             <a:endParaRPr lang="ko-KR" altLang="en-US"/>
           </a:p>
@@ -1625,7 +1625,7 @@
           <a:p>
             <a:fld id="{EFFCBDAD-9962-41C1-AA5B-39C71D40D4AA}" type="datetimeFigureOut">
               <a:rPr lang="ko-KR" altLang="en-US" smtClean="0"/>
-              <a:t>2020-06-04</a:t>
+              <a:t>2020-06-14</a:t>
             </a:fld>
             <a:endParaRPr lang="ko-KR" altLang="en-US"/>
           </a:p>
@@ -1940,7 +1940,7 @@
           <a:p>
             <a:fld id="{EFFCBDAD-9962-41C1-AA5B-39C71D40D4AA}" type="datetimeFigureOut">
               <a:rPr lang="ko-KR" altLang="en-US" smtClean="0"/>
-              <a:t>2020-06-04</a:t>
+              <a:t>2020-06-14</a:t>
             </a:fld>
             <a:endParaRPr lang="ko-KR" altLang="en-US"/>
           </a:p>
@@ -2485,7 +2485,7 @@
           <a:p>
             <a:fld id="{EFFCBDAD-9962-41C1-AA5B-39C71D40D4AA}" type="datetimeFigureOut">
               <a:rPr lang="ko-KR" altLang="en-US" smtClean="0"/>
-              <a:t>2020-06-04</a:t>
+              <a:t>2020-06-14</a:t>
             </a:fld>
             <a:endParaRPr lang="ko-KR" altLang="en-US"/>
           </a:p>
@@ -2681,7 +2681,7 @@
           <a:p>
             <a:fld id="{EFFCBDAD-9962-41C1-AA5B-39C71D40D4AA}" type="datetimeFigureOut">
               <a:rPr lang="ko-KR" altLang="en-US" smtClean="0"/>
-              <a:t>2020-06-04</a:t>
+              <a:t>2020-06-14</a:t>
             </a:fld>
             <a:endParaRPr lang="ko-KR" altLang="en-US"/>
           </a:p>
@@ -2895,7 +2895,7 @@
           <a:p>
             <a:fld id="{EFFCBDAD-9962-41C1-AA5B-39C71D40D4AA}" type="datetimeFigureOut">
               <a:rPr lang="ko-KR" altLang="en-US" smtClean="0"/>
-              <a:t>2020-06-04</a:t>
+              <a:t>2020-06-14</a:t>
             </a:fld>
             <a:endParaRPr lang="ko-KR" altLang="en-US"/>
           </a:p>
@@ -3265,7 +3265,7 @@
           <a:p>
             <a:fld id="{EFFCBDAD-9962-41C1-AA5B-39C71D40D4AA}" type="datetimeFigureOut">
               <a:rPr lang="ko-KR" altLang="en-US" smtClean="0"/>
-              <a:t>2020-06-04</a:t>
+              <a:t>2020-06-14</a:t>
             </a:fld>
             <a:endParaRPr lang="ko-KR" altLang="en-US"/>
           </a:p>
@@ -3669,7 +3669,7 @@
           <a:p>
             <a:fld id="{EFFCBDAD-9962-41C1-AA5B-39C71D40D4AA}" type="datetimeFigureOut">
               <a:rPr lang="ko-KR" altLang="en-US" smtClean="0"/>
-              <a:t>2020-06-04</a:t>
+              <a:t>2020-06-14</a:t>
             </a:fld>
             <a:endParaRPr lang="ko-KR" altLang="en-US"/>
           </a:p>
@@ -3981,7 +3981,7 @@
           <a:p>
             <a:fld id="{EFFCBDAD-9962-41C1-AA5B-39C71D40D4AA}" type="datetimeFigureOut">
               <a:rPr lang="ko-KR" altLang="en-US" smtClean="0"/>
-              <a:t>2020-06-04</a:t>
+              <a:t>2020-06-14</a:t>
             </a:fld>
             <a:endParaRPr lang="ko-KR" altLang="en-US"/>
           </a:p>
@@ -5861,6 +5861,226 @@
           </a:fontRef>
         </p:style>
       </p:cxnSp>
+      <p:sp>
+        <p:nvSpPr>
+          <p:cNvPr id="27" name="사각형: 둥근 모서리 26">
+            <a:extLst>
+              <a:ext uri="{FF2B5EF4-FFF2-40B4-BE49-F238E27FC236}">
+                <a16:creationId xmlns:a16="http://schemas.microsoft.com/office/drawing/2014/main" id="{281A7F2C-655D-4A28-9E2F-7AC5DB47DF88}"/>
+              </a:ext>
+            </a:extLst>
+          </p:cNvPr>
+          <p:cNvSpPr/>
+          <p:nvPr/>
+        </p:nvSpPr>
+        <p:spPr>
+          <a:xfrm>
+            <a:off x="1806080" y="550558"/>
+            <a:ext cx="1992388" cy="830511"/>
+          </a:xfrm>
+          <a:prstGeom prst="roundRect">
+            <a:avLst/>
+          </a:prstGeom>
+          <a:pattFill prst="dkUpDiag">
+            <a:fgClr>
+              <a:schemeClr val="accent1">
+                <a:lumMod val="75000"/>
+              </a:schemeClr>
+            </a:fgClr>
+            <a:bgClr>
+              <a:schemeClr val="accent4">
+                <a:lumMod val="50000"/>
+              </a:schemeClr>
+            </a:bgClr>
+          </a:pattFill>
+          <a:ln>
+            <a:noFill/>
+          </a:ln>
+        </p:spPr>
+        <p:style>
+          <a:lnRef idx="2">
+            <a:schemeClr val="accent1">
+              <a:shade val="50000"/>
+            </a:schemeClr>
+          </a:lnRef>
+          <a:fillRef idx="1">
+            <a:schemeClr val="accent1"/>
+          </a:fillRef>
+          <a:effectRef idx="0">
+            <a:schemeClr val="accent1"/>
+          </a:effectRef>
+          <a:fontRef idx="minor">
+            <a:schemeClr val="lt1"/>
+          </a:fontRef>
+        </p:style>
+        <p:txBody>
+          <a:bodyPr rtlCol="0" anchor="ctr"/>
+          <a:lstStyle/>
+          <a:p>
+            <a:pPr algn="ctr"/>
+            <a:r>
+              <a:rPr lang="en-US" altLang="ko-KR" dirty="0"/>
+              <a:t>Singer</a:t>
+            </a:r>
+            <a:endParaRPr lang="ko-KR" altLang="en-US" dirty="0"/>
+          </a:p>
+        </p:txBody>
+      </p:sp>
+      <p:sp>
+        <p:nvSpPr>
+          <p:cNvPr id="33" name="사각형: 둥근 모서리 32">
+            <a:extLst>
+              <a:ext uri="{FF2B5EF4-FFF2-40B4-BE49-F238E27FC236}">
+                <a16:creationId xmlns:a16="http://schemas.microsoft.com/office/drawing/2014/main" id="{D27C51A5-9B91-4FC5-A95D-F8E4DA8DE4FA}"/>
+              </a:ext>
+            </a:extLst>
+          </p:cNvPr>
+          <p:cNvSpPr/>
+          <p:nvPr/>
+        </p:nvSpPr>
+        <p:spPr>
+          <a:xfrm>
+            <a:off x="1806080" y="-695210"/>
+            <a:ext cx="1992388" cy="830511"/>
+          </a:xfrm>
+          <a:prstGeom prst="roundRect">
+            <a:avLst/>
+          </a:prstGeom>
+          <a:pattFill prst="dkUpDiag">
+            <a:fgClr>
+              <a:schemeClr val="accent1">
+                <a:lumMod val="75000"/>
+              </a:schemeClr>
+            </a:fgClr>
+            <a:bgClr>
+              <a:schemeClr val="accent4">
+                <a:lumMod val="50000"/>
+              </a:schemeClr>
+            </a:bgClr>
+          </a:pattFill>
+          <a:ln>
+            <a:noFill/>
+          </a:ln>
+        </p:spPr>
+        <p:style>
+          <a:lnRef idx="2">
+            <a:schemeClr val="accent1">
+              <a:shade val="50000"/>
+            </a:schemeClr>
+          </a:lnRef>
+          <a:fillRef idx="1">
+            <a:schemeClr val="accent1"/>
+          </a:fillRef>
+          <a:effectRef idx="0">
+            <a:schemeClr val="accent1"/>
+          </a:effectRef>
+          <a:fontRef idx="minor">
+            <a:schemeClr val="lt1"/>
+          </a:fontRef>
+        </p:style>
+        <p:txBody>
+          <a:bodyPr rtlCol="0" anchor="ctr"/>
+          <a:lstStyle/>
+          <a:p>
+            <a:pPr algn="ctr"/>
+            <a:r>
+              <a:rPr lang="en-US" altLang="ko-KR" dirty="0"/>
+              <a:t>Pitch</a:t>
+            </a:r>
+            <a:endParaRPr lang="ko-KR" altLang="en-US" dirty="0"/>
+          </a:p>
+        </p:txBody>
+      </p:sp>
+      <p:cxnSp>
+        <p:nvCxnSpPr>
+          <p:cNvPr id="35" name="연결선: 꺾임 34">
+            <a:extLst>
+              <a:ext uri="{FF2B5EF4-FFF2-40B4-BE49-F238E27FC236}">
+                <a16:creationId xmlns:a16="http://schemas.microsoft.com/office/drawing/2014/main" id="{56A5A4FA-6112-46A0-9AEB-F81C27E98F14}"/>
+              </a:ext>
+            </a:extLst>
+          </p:cNvPr>
+          <p:cNvCxnSpPr>
+            <a:cxnSpLocks/>
+            <a:stCxn id="27" idx="3"/>
+            <a:endCxn id="12" idx="1"/>
+          </p:cNvCxnSpPr>
+          <p:nvPr/>
+        </p:nvCxnSpPr>
+        <p:spPr>
+          <a:xfrm>
+            <a:off x="3798468" y="965814"/>
+            <a:ext cx="714112" cy="2491536"/>
+          </a:xfrm>
+          <a:prstGeom prst="bentConnector3">
+            <a:avLst>
+              <a:gd name="adj1" fmla="val 50000"/>
+            </a:avLst>
+          </a:prstGeom>
+          <a:ln w="38100">
+            <a:tailEnd type="triangle"/>
+          </a:ln>
+        </p:spPr>
+        <p:style>
+          <a:lnRef idx="1">
+            <a:schemeClr val="accent1"/>
+          </a:lnRef>
+          <a:fillRef idx="0">
+            <a:schemeClr val="accent1"/>
+          </a:fillRef>
+          <a:effectRef idx="0">
+            <a:schemeClr val="accent1"/>
+          </a:effectRef>
+          <a:fontRef idx="minor">
+            <a:schemeClr val="tx1"/>
+          </a:fontRef>
+        </p:style>
+      </p:cxnSp>
+      <p:cxnSp>
+        <p:nvCxnSpPr>
+          <p:cNvPr id="36" name="연결선: 꺾임 35">
+            <a:extLst>
+              <a:ext uri="{FF2B5EF4-FFF2-40B4-BE49-F238E27FC236}">
+                <a16:creationId xmlns:a16="http://schemas.microsoft.com/office/drawing/2014/main" id="{CEE23423-86FA-40C3-9A73-855776446442}"/>
+              </a:ext>
+            </a:extLst>
+          </p:cNvPr>
+          <p:cNvCxnSpPr>
+            <a:cxnSpLocks/>
+            <a:stCxn id="33" idx="3"/>
+            <a:endCxn id="12" idx="1"/>
+          </p:cNvCxnSpPr>
+          <p:nvPr/>
+        </p:nvCxnSpPr>
+        <p:spPr>
+          <a:xfrm>
+            <a:off x="3798468" y="-279954"/>
+            <a:ext cx="714112" cy="3737304"/>
+          </a:xfrm>
+          <a:prstGeom prst="bentConnector3">
+            <a:avLst>
+              <a:gd name="adj1" fmla="val 50000"/>
+            </a:avLst>
+          </a:prstGeom>
+          <a:ln w="38100">
+            <a:tailEnd type="triangle"/>
+          </a:ln>
+        </p:spPr>
+        <p:style>
+          <a:lnRef idx="1">
+            <a:schemeClr val="accent1"/>
+          </a:lnRef>
+          <a:fillRef idx="0">
+            <a:schemeClr val="accent1"/>
+          </a:fillRef>
+          <a:effectRef idx="0">
+            <a:schemeClr val="accent1"/>
+          </a:effectRef>
+          <a:fontRef idx="minor">
+            <a:schemeClr val="tx1"/>
+          </a:fontRef>
+        </p:style>
+      </p:cxnSp>
     </p:spTree>
     <p:extLst>
       <p:ext uri="{BB962C8B-B14F-4D97-AF65-F5344CB8AC3E}">
